--- a/Slides/Week03/07：NLP任務的內部結構.pptx
+++ b/Slides/Week03/07：NLP任務的內部結構.pptx
@@ -6,30 +6,37 @@
     <p:sldMasterId id="2147483660" r:id="rId2"/>
   </p:sldMasterIdLst>
   <p:notesMasterIdLst>
-    <p:notesMasterId r:id="rId24"/>
+    <p:notesMasterId r:id="rId31"/>
   </p:notesMasterIdLst>
   <p:sldIdLst>
     <p:sldId id="681" r:id="rId3"/>
     <p:sldId id="1191" r:id="rId4"/>
     <p:sldId id="1219" r:id="rId5"/>
     <p:sldId id="1221" r:id="rId6"/>
-    <p:sldId id="1220" r:id="rId7"/>
-    <p:sldId id="1222" r:id="rId8"/>
-    <p:sldId id="1223" r:id="rId9"/>
-    <p:sldId id="1224" r:id="rId10"/>
-    <p:sldId id="1225" r:id="rId11"/>
-    <p:sldId id="1226" r:id="rId12"/>
-    <p:sldId id="1227" r:id="rId13"/>
-    <p:sldId id="1228" r:id="rId14"/>
-    <p:sldId id="1229" r:id="rId15"/>
-    <p:sldId id="1230" r:id="rId16"/>
-    <p:sldId id="1231" r:id="rId17"/>
-    <p:sldId id="1232" r:id="rId18"/>
-    <p:sldId id="1233" r:id="rId19"/>
-    <p:sldId id="1234" r:id="rId20"/>
-    <p:sldId id="1235" r:id="rId21"/>
-    <p:sldId id="1236" r:id="rId22"/>
-    <p:sldId id="1237" r:id="rId23"/>
+    <p:sldId id="1241" r:id="rId7"/>
+    <p:sldId id="1242" r:id="rId8"/>
+    <p:sldId id="1220" r:id="rId9"/>
+    <p:sldId id="1239" r:id="rId10"/>
+    <p:sldId id="1240" r:id="rId11"/>
+    <p:sldId id="1238" r:id="rId12"/>
+    <p:sldId id="1222" r:id="rId13"/>
+    <p:sldId id="1223" r:id="rId14"/>
+    <p:sldId id="1224" r:id="rId15"/>
+    <p:sldId id="1225" r:id="rId16"/>
+    <p:sldId id="1243" r:id="rId17"/>
+    <p:sldId id="1244" r:id="rId18"/>
+    <p:sldId id="1226" r:id="rId19"/>
+    <p:sldId id="1227" r:id="rId20"/>
+    <p:sldId id="1228" r:id="rId21"/>
+    <p:sldId id="1229" r:id="rId22"/>
+    <p:sldId id="1230" r:id="rId23"/>
+    <p:sldId id="1231" r:id="rId24"/>
+    <p:sldId id="1232" r:id="rId25"/>
+    <p:sldId id="1233" r:id="rId26"/>
+    <p:sldId id="1234" r:id="rId27"/>
+    <p:sldId id="1235" r:id="rId28"/>
+    <p:sldId id="1236" r:id="rId29"/>
+    <p:sldId id="1237" r:id="rId30"/>
   </p:sldIdLst>
   <p:sldSz cx="9144000" cy="6858000" type="screen4x3"/>
   <p:notesSz cx="6858000" cy="9144000"/>
@@ -218,7 +225,7 @@
           <a:p>
             <a:fld id="{DF2768FB-F680-46BA-8721-EBD5055783A4}" type="datetimeFigureOut">
               <a:rPr lang="zh-TW" altLang="en-US" smtClean="0"/>
-              <a:t>2024/3/29</a:t>
+              <a:t>2024/4/11</a:t>
             </a:fld>
             <a:endParaRPr lang="zh-TW" altLang="en-US"/>
           </a:p>
@@ -638,7 +645,7 @@
             <a:fld id="{9B26CD33-4337-4529-948A-94F6960B2374}" type="slidenum">
               <a:rPr lang="en-US" smtClean="0"/>
               <a:pPr/>
-              <a:t>13</a:t>
+              <a:t>15</a:t>
             </a:fld>
             <a:endParaRPr lang="en-US" dirty="0"/>
           </a:p>
@@ -647,7 +654,7 @@
     </p:spTree>
     <p:extLst>
       <p:ext uri="{BB962C8B-B14F-4D97-AF65-F5344CB8AC3E}">
-        <p14:creationId xmlns:p14="http://schemas.microsoft.com/office/powerpoint/2010/main" val="473158913"/>
+        <p14:creationId xmlns:p14="http://schemas.microsoft.com/office/powerpoint/2010/main" val="3246709978"/>
       </p:ext>
     </p:extLst>
   </p:cSld>
@@ -723,7 +730,347 @@
             <a:fld id="{9B26CD33-4337-4529-948A-94F6960B2374}" type="slidenum">
               <a:rPr lang="en-US" smtClean="0"/>
               <a:pPr/>
-              <a:t>14</a:t>
+              <a:t>17</a:t>
+            </a:fld>
+            <a:endParaRPr lang="en-US" dirty="0"/>
+          </a:p>
+        </p:txBody>
+      </p:sp>
+    </p:spTree>
+    <p:extLst>
+      <p:ext uri="{BB962C8B-B14F-4D97-AF65-F5344CB8AC3E}">
+        <p14:creationId xmlns:p14="http://schemas.microsoft.com/office/powerpoint/2010/main" val="3110149131"/>
+      </p:ext>
+    </p:extLst>
+  </p:cSld>
+  <p:clrMapOvr>
+    <a:masterClrMapping/>
+  </p:clrMapOvr>
+</p:notes>
+</file>
+
+<file path=ppt/notesSlides/notesSlide12.xml><?xml version="1.0" encoding="utf-8"?>
+<p:notes xmlns:a="http://schemas.openxmlformats.org/drawingml/2006/main" xmlns:r="http://schemas.openxmlformats.org/officeDocument/2006/relationships" xmlns:p="http://schemas.openxmlformats.org/presentationml/2006/main">
+  <p:cSld>
+    <p:spTree>
+      <p:nvGrpSpPr>
+        <p:cNvPr id="1" name=""/>
+        <p:cNvGrpSpPr/>
+        <p:nvPr/>
+      </p:nvGrpSpPr>
+      <p:grpSpPr>
+        <a:xfrm>
+          <a:off x="0" y="0"/>
+          <a:ext cx="0" cy="0"/>
+          <a:chOff x="0" y="0"/>
+          <a:chExt cx="0" cy="0"/>
+        </a:xfrm>
+      </p:grpSpPr>
+      <p:sp>
+        <p:nvSpPr>
+          <p:cNvPr id="2" name="投影片圖像版面配置區 1"/>
+          <p:cNvSpPr>
+            <a:spLocks noGrp="1" noRot="1" noChangeAspect="1"/>
+          </p:cNvSpPr>
+          <p:nvPr>
+            <p:ph type="sldImg"/>
+          </p:nvPr>
+        </p:nvSpPr>
+        <p:spPr/>
+      </p:sp>
+      <p:sp>
+        <p:nvSpPr>
+          <p:cNvPr id="3" name="備忘稿版面配置區 2"/>
+          <p:cNvSpPr>
+            <a:spLocks noGrp="1"/>
+          </p:cNvSpPr>
+          <p:nvPr>
+            <p:ph type="body" idx="1"/>
+          </p:nvPr>
+        </p:nvSpPr>
+        <p:spPr/>
+        <p:txBody>
+          <a:bodyPr/>
+          <a:lstStyle/>
+          <a:p>
+            <a:endParaRPr lang="zh-TW" altLang="en-US" dirty="0"/>
+          </a:p>
+        </p:txBody>
+      </p:sp>
+      <p:sp>
+        <p:nvSpPr>
+          <p:cNvPr id="4" name="投影片編號版面配置區 3"/>
+          <p:cNvSpPr>
+            <a:spLocks noGrp="1"/>
+          </p:cNvSpPr>
+          <p:nvPr>
+            <p:ph type="sldNum" sz="quarter" idx="10"/>
+          </p:nvPr>
+        </p:nvSpPr>
+        <p:spPr/>
+        <p:txBody>
+          <a:bodyPr/>
+          <a:lstStyle/>
+          <a:p>
+            <a:fld id="{9B26CD33-4337-4529-948A-94F6960B2374}" type="slidenum">
+              <a:rPr lang="en-US" smtClean="0"/>
+              <a:pPr/>
+              <a:t>18</a:t>
+            </a:fld>
+            <a:endParaRPr lang="en-US" dirty="0"/>
+          </a:p>
+        </p:txBody>
+      </p:sp>
+    </p:spTree>
+    <p:extLst>
+      <p:ext uri="{BB962C8B-B14F-4D97-AF65-F5344CB8AC3E}">
+        <p14:creationId xmlns:p14="http://schemas.microsoft.com/office/powerpoint/2010/main" val="437194601"/>
+      </p:ext>
+    </p:extLst>
+  </p:cSld>
+  <p:clrMapOvr>
+    <a:masterClrMapping/>
+  </p:clrMapOvr>
+</p:notes>
+</file>
+
+<file path=ppt/notesSlides/notesSlide13.xml><?xml version="1.0" encoding="utf-8"?>
+<p:notes xmlns:a="http://schemas.openxmlformats.org/drawingml/2006/main" xmlns:r="http://schemas.openxmlformats.org/officeDocument/2006/relationships" xmlns:p="http://schemas.openxmlformats.org/presentationml/2006/main">
+  <p:cSld>
+    <p:spTree>
+      <p:nvGrpSpPr>
+        <p:cNvPr id="1" name=""/>
+        <p:cNvGrpSpPr/>
+        <p:nvPr/>
+      </p:nvGrpSpPr>
+      <p:grpSpPr>
+        <a:xfrm>
+          <a:off x="0" y="0"/>
+          <a:ext cx="0" cy="0"/>
+          <a:chOff x="0" y="0"/>
+          <a:chExt cx="0" cy="0"/>
+        </a:xfrm>
+      </p:grpSpPr>
+      <p:sp>
+        <p:nvSpPr>
+          <p:cNvPr id="2" name="投影片圖像版面配置區 1"/>
+          <p:cNvSpPr>
+            <a:spLocks noGrp="1" noRot="1" noChangeAspect="1"/>
+          </p:cNvSpPr>
+          <p:nvPr>
+            <p:ph type="sldImg"/>
+          </p:nvPr>
+        </p:nvSpPr>
+        <p:spPr/>
+      </p:sp>
+      <p:sp>
+        <p:nvSpPr>
+          <p:cNvPr id="3" name="備忘稿版面配置區 2"/>
+          <p:cNvSpPr>
+            <a:spLocks noGrp="1"/>
+          </p:cNvSpPr>
+          <p:nvPr>
+            <p:ph type="body" idx="1"/>
+          </p:nvPr>
+        </p:nvSpPr>
+        <p:spPr/>
+        <p:txBody>
+          <a:bodyPr/>
+          <a:lstStyle/>
+          <a:p>
+            <a:endParaRPr lang="zh-TW" altLang="en-US" dirty="0"/>
+          </a:p>
+        </p:txBody>
+      </p:sp>
+      <p:sp>
+        <p:nvSpPr>
+          <p:cNvPr id="4" name="投影片編號版面配置區 3"/>
+          <p:cNvSpPr>
+            <a:spLocks noGrp="1"/>
+          </p:cNvSpPr>
+          <p:nvPr>
+            <p:ph type="sldNum" sz="quarter" idx="10"/>
+          </p:nvPr>
+        </p:nvSpPr>
+        <p:spPr/>
+        <p:txBody>
+          <a:bodyPr/>
+          <a:lstStyle/>
+          <a:p>
+            <a:fld id="{9B26CD33-4337-4529-948A-94F6960B2374}" type="slidenum">
+              <a:rPr lang="en-US" smtClean="0"/>
+              <a:pPr/>
+              <a:t>19</a:t>
+            </a:fld>
+            <a:endParaRPr lang="en-US" dirty="0"/>
+          </a:p>
+        </p:txBody>
+      </p:sp>
+    </p:spTree>
+    <p:extLst>
+      <p:ext uri="{BB962C8B-B14F-4D97-AF65-F5344CB8AC3E}">
+        <p14:creationId xmlns:p14="http://schemas.microsoft.com/office/powerpoint/2010/main" val="1134284852"/>
+      </p:ext>
+    </p:extLst>
+  </p:cSld>
+  <p:clrMapOvr>
+    <a:masterClrMapping/>
+  </p:clrMapOvr>
+</p:notes>
+</file>
+
+<file path=ppt/notesSlides/notesSlide14.xml><?xml version="1.0" encoding="utf-8"?>
+<p:notes xmlns:a="http://schemas.openxmlformats.org/drawingml/2006/main" xmlns:r="http://schemas.openxmlformats.org/officeDocument/2006/relationships" xmlns:p="http://schemas.openxmlformats.org/presentationml/2006/main">
+  <p:cSld>
+    <p:spTree>
+      <p:nvGrpSpPr>
+        <p:cNvPr id="1" name=""/>
+        <p:cNvGrpSpPr/>
+        <p:nvPr/>
+      </p:nvGrpSpPr>
+      <p:grpSpPr>
+        <a:xfrm>
+          <a:off x="0" y="0"/>
+          <a:ext cx="0" cy="0"/>
+          <a:chOff x="0" y="0"/>
+          <a:chExt cx="0" cy="0"/>
+        </a:xfrm>
+      </p:grpSpPr>
+      <p:sp>
+        <p:nvSpPr>
+          <p:cNvPr id="2" name="投影片圖像版面配置區 1"/>
+          <p:cNvSpPr>
+            <a:spLocks noGrp="1" noRot="1" noChangeAspect="1"/>
+          </p:cNvSpPr>
+          <p:nvPr>
+            <p:ph type="sldImg"/>
+          </p:nvPr>
+        </p:nvSpPr>
+        <p:spPr/>
+      </p:sp>
+      <p:sp>
+        <p:nvSpPr>
+          <p:cNvPr id="3" name="備忘稿版面配置區 2"/>
+          <p:cNvSpPr>
+            <a:spLocks noGrp="1"/>
+          </p:cNvSpPr>
+          <p:nvPr>
+            <p:ph type="body" idx="1"/>
+          </p:nvPr>
+        </p:nvSpPr>
+        <p:spPr/>
+        <p:txBody>
+          <a:bodyPr/>
+          <a:lstStyle/>
+          <a:p>
+            <a:endParaRPr lang="zh-TW" altLang="en-US" dirty="0"/>
+          </a:p>
+        </p:txBody>
+      </p:sp>
+      <p:sp>
+        <p:nvSpPr>
+          <p:cNvPr id="4" name="投影片編號版面配置區 3"/>
+          <p:cNvSpPr>
+            <a:spLocks noGrp="1"/>
+          </p:cNvSpPr>
+          <p:nvPr>
+            <p:ph type="sldNum" sz="quarter" idx="10"/>
+          </p:nvPr>
+        </p:nvSpPr>
+        <p:spPr/>
+        <p:txBody>
+          <a:bodyPr/>
+          <a:lstStyle/>
+          <a:p>
+            <a:fld id="{9B26CD33-4337-4529-948A-94F6960B2374}" type="slidenum">
+              <a:rPr lang="en-US" smtClean="0"/>
+              <a:pPr/>
+              <a:t>20</a:t>
+            </a:fld>
+            <a:endParaRPr lang="en-US" dirty="0"/>
+          </a:p>
+        </p:txBody>
+      </p:sp>
+    </p:spTree>
+    <p:extLst>
+      <p:ext uri="{BB962C8B-B14F-4D97-AF65-F5344CB8AC3E}">
+        <p14:creationId xmlns:p14="http://schemas.microsoft.com/office/powerpoint/2010/main" val="473158913"/>
+      </p:ext>
+    </p:extLst>
+  </p:cSld>
+  <p:clrMapOvr>
+    <a:masterClrMapping/>
+  </p:clrMapOvr>
+</p:notes>
+</file>
+
+<file path=ppt/notesSlides/notesSlide15.xml><?xml version="1.0" encoding="utf-8"?>
+<p:notes xmlns:a="http://schemas.openxmlformats.org/drawingml/2006/main" xmlns:r="http://schemas.openxmlformats.org/officeDocument/2006/relationships" xmlns:p="http://schemas.openxmlformats.org/presentationml/2006/main">
+  <p:cSld>
+    <p:spTree>
+      <p:nvGrpSpPr>
+        <p:cNvPr id="1" name=""/>
+        <p:cNvGrpSpPr/>
+        <p:nvPr/>
+      </p:nvGrpSpPr>
+      <p:grpSpPr>
+        <a:xfrm>
+          <a:off x="0" y="0"/>
+          <a:ext cx="0" cy="0"/>
+          <a:chOff x="0" y="0"/>
+          <a:chExt cx="0" cy="0"/>
+        </a:xfrm>
+      </p:grpSpPr>
+      <p:sp>
+        <p:nvSpPr>
+          <p:cNvPr id="2" name="投影片圖像版面配置區 1"/>
+          <p:cNvSpPr>
+            <a:spLocks noGrp="1" noRot="1" noChangeAspect="1"/>
+          </p:cNvSpPr>
+          <p:nvPr>
+            <p:ph type="sldImg"/>
+          </p:nvPr>
+        </p:nvSpPr>
+        <p:spPr/>
+      </p:sp>
+      <p:sp>
+        <p:nvSpPr>
+          <p:cNvPr id="3" name="備忘稿版面配置區 2"/>
+          <p:cNvSpPr>
+            <a:spLocks noGrp="1"/>
+          </p:cNvSpPr>
+          <p:nvPr>
+            <p:ph type="body" idx="1"/>
+          </p:nvPr>
+        </p:nvSpPr>
+        <p:spPr/>
+        <p:txBody>
+          <a:bodyPr/>
+          <a:lstStyle/>
+          <a:p>
+            <a:endParaRPr lang="zh-TW" altLang="en-US" dirty="0"/>
+          </a:p>
+        </p:txBody>
+      </p:sp>
+      <p:sp>
+        <p:nvSpPr>
+          <p:cNvPr id="4" name="投影片編號版面配置區 3"/>
+          <p:cNvSpPr>
+            <a:spLocks noGrp="1"/>
+          </p:cNvSpPr>
+          <p:nvPr>
+            <p:ph type="sldNum" sz="quarter" idx="10"/>
+          </p:nvPr>
+        </p:nvSpPr>
+        <p:spPr/>
+        <p:txBody>
+          <a:bodyPr/>
+          <a:lstStyle/>
+          <a:p>
+            <a:fld id="{9B26CD33-4337-4529-948A-94F6960B2374}" type="slidenum">
+              <a:rPr lang="en-US" smtClean="0"/>
+              <a:pPr/>
+              <a:t>21</a:t>
             </a:fld>
             <a:endParaRPr lang="en-US" dirty="0"/>
           </a:p>
@@ -987,7 +1334,7 @@
     </p:spTree>
     <p:extLst>
       <p:ext uri="{BB962C8B-B14F-4D97-AF65-F5344CB8AC3E}">
-        <p14:creationId xmlns:p14="http://schemas.microsoft.com/office/powerpoint/2010/main" val="1863195319"/>
+        <p14:creationId xmlns:p14="http://schemas.microsoft.com/office/powerpoint/2010/main" val="430956362"/>
       </p:ext>
     </p:extLst>
   </p:cSld>
@@ -1063,7 +1410,7 @@
             <a:fld id="{9B26CD33-4337-4529-948A-94F6960B2374}" type="slidenum">
               <a:rPr lang="en-US" smtClean="0"/>
               <a:pPr/>
-              <a:t>6</a:t>
+              <a:t>7</a:t>
             </a:fld>
             <a:endParaRPr lang="en-US" dirty="0"/>
           </a:p>
@@ -1072,7 +1419,7 @@
     </p:spTree>
     <p:extLst>
       <p:ext uri="{BB962C8B-B14F-4D97-AF65-F5344CB8AC3E}">
-        <p14:creationId xmlns:p14="http://schemas.microsoft.com/office/powerpoint/2010/main" val="3621464486"/>
+        <p14:creationId xmlns:p14="http://schemas.microsoft.com/office/powerpoint/2010/main" val="1863195319"/>
       </p:ext>
     </p:extLst>
   </p:cSld>
@@ -1157,7 +1504,7 @@
     </p:spTree>
     <p:extLst>
       <p:ext uri="{BB962C8B-B14F-4D97-AF65-F5344CB8AC3E}">
-        <p14:creationId xmlns:p14="http://schemas.microsoft.com/office/powerpoint/2010/main" val="815068760"/>
+        <p14:creationId xmlns:p14="http://schemas.microsoft.com/office/powerpoint/2010/main" val="2856074926"/>
       </p:ext>
     </p:extLst>
   </p:cSld>
@@ -1242,7 +1589,7 @@
     </p:spTree>
     <p:extLst>
       <p:ext uri="{BB962C8B-B14F-4D97-AF65-F5344CB8AC3E}">
-        <p14:creationId xmlns:p14="http://schemas.microsoft.com/office/powerpoint/2010/main" val="3110149131"/>
+        <p14:creationId xmlns:p14="http://schemas.microsoft.com/office/powerpoint/2010/main" val="2233860920"/>
       </p:ext>
     </p:extLst>
   </p:cSld>
@@ -1327,7 +1674,7 @@
     </p:spTree>
     <p:extLst>
       <p:ext uri="{BB962C8B-B14F-4D97-AF65-F5344CB8AC3E}">
-        <p14:creationId xmlns:p14="http://schemas.microsoft.com/office/powerpoint/2010/main" val="437194601"/>
+        <p14:creationId xmlns:p14="http://schemas.microsoft.com/office/powerpoint/2010/main" val="3621464486"/>
       </p:ext>
     </p:extLst>
   </p:cSld>
@@ -1403,7 +1750,7 @@
             <a:fld id="{9B26CD33-4337-4529-948A-94F6960B2374}" type="slidenum">
               <a:rPr lang="en-US" smtClean="0"/>
               <a:pPr/>
-              <a:t>12</a:t>
+              <a:t>13</a:t>
             </a:fld>
             <a:endParaRPr lang="en-US" dirty="0"/>
           </a:p>
@@ -1412,7 +1759,7 @@
     </p:spTree>
     <p:extLst>
       <p:ext uri="{BB962C8B-B14F-4D97-AF65-F5344CB8AC3E}">
-        <p14:creationId xmlns:p14="http://schemas.microsoft.com/office/powerpoint/2010/main" val="1134284852"/>
+        <p14:creationId xmlns:p14="http://schemas.microsoft.com/office/powerpoint/2010/main" val="815068760"/>
       </p:ext>
     </p:extLst>
   </p:cSld>
@@ -1569,7 +1916,7 @@
           <a:p>
             <a:fld id="{0495B665-C8E0-4414-8FEF-82ED686654F1}" type="datetimeFigureOut">
               <a:rPr lang="zh-TW" altLang="en-US" smtClean="0"/>
-              <a:t>2024/3/29</a:t>
+              <a:t>2024/4/11</a:t>
             </a:fld>
             <a:endParaRPr lang="zh-TW" altLang="en-US"/>
           </a:p>
@@ -1767,7 +2114,7 @@
           <a:p>
             <a:fld id="{0495B665-C8E0-4414-8FEF-82ED686654F1}" type="datetimeFigureOut">
               <a:rPr lang="zh-TW" altLang="en-US" smtClean="0"/>
-              <a:t>2024/3/29</a:t>
+              <a:t>2024/4/11</a:t>
             </a:fld>
             <a:endParaRPr lang="zh-TW" altLang="en-US"/>
           </a:p>
@@ -1975,7 +2322,7 @@
           <a:p>
             <a:fld id="{0495B665-C8E0-4414-8FEF-82ED686654F1}" type="datetimeFigureOut">
               <a:rPr lang="zh-TW" altLang="en-US" smtClean="0"/>
-              <a:t>2024/3/29</a:t>
+              <a:t>2024/4/11</a:t>
             </a:fld>
             <a:endParaRPr lang="zh-TW" altLang="en-US"/>
           </a:p>
@@ -2356,7 +2703,7 @@
                 </a:solidFill>
               </a:rPr>
               <a:pPr/>
-              <a:t>3/29/2024</a:t>
+              <a:t>4/11/2024</a:t>
             </a:fld>
             <a:endParaRPr kumimoji="0" lang="en-US" dirty="0"/>
           </a:p>
@@ -2587,7 +2934,7 @@
                 </a:solidFill>
               </a:rPr>
               <a:pPr/>
-              <a:t>3/29/2024</a:t>
+              <a:t>4/11/2024</a:t>
             </a:fld>
             <a:endParaRPr kumimoji="0" lang="en-US" dirty="0"/>
           </a:p>
@@ -2820,7 +3167,7 @@
                 </a:solidFill>
               </a:rPr>
               <a:pPr/>
-              <a:t>3/29/2024</a:t>
+              <a:t>4/11/2024</a:t>
             </a:fld>
             <a:endParaRPr kumimoji="0" lang="en-US" dirty="0"/>
           </a:p>
@@ -3302,7 +3649,7 @@
                 </a:solidFill>
               </a:rPr>
               <a:pPr/>
-              <a:t>3/29/2024</a:t>
+              <a:t>4/11/2024</a:t>
             </a:fld>
             <a:endParaRPr kumimoji="0" lang="en-US" dirty="0"/>
           </a:p>
@@ -3659,7 +4006,7 @@
                 </a:solidFill>
               </a:rPr>
               <a:pPr/>
-              <a:t>3/29/2024</a:t>
+              <a:t>4/11/2024</a:t>
             </a:fld>
             <a:endParaRPr kumimoji="0" lang="en-US" dirty="0"/>
           </a:p>
@@ -4022,7 +4369,7 @@
                 </a:solidFill>
               </a:rPr>
               <a:pPr/>
-              <a:t>3/29/2024</a:t>
+              <a:t>4/11/2024</a:t>
             </a:fld>
             <a:endParaRPr kumimoji="0" lang="en-US" dirty="0"/>
           </a:p>
@@ -4332,7 +4679,7 @@
                 </a:solidFill>
               </a:rPr>
               <a:pPr/>
-              <a:t>3/29/2024</a:t>
+              <a:t>4/11/2024</a:t>
             </a:fld>
             <a:endParaRPr kumimoji="0" lang="en-US" dirty="0"/>
           </a:p>
@@ -4527,7 +4874,7 @@
           <a:p>
             <a:fld id="{0495B665-C8E0-4414-8FEF-82ED686654F1}" type="datetimeFigureOut">
               <a:rPr lang="zh-TW" altLang="en-US" smtClean="0"/>
-              <a:t>2024/3/29</a:t>
+              <a:t>2024/4/11</a:t>
             </a:fld>
             <a:endParaRPr lang="zh-TW" altLang="en-US"/>
           </a:p>
@@ -5011,7 +5358,7 @@
                 </a:solidFill>
               </a:rPr>
               <a:pPr/>
-              <a:t>3/29/2024</a:t>
+              <a:t>4/11/2024</a:t>
             </a:fld>
             <a:endParaRPr kumimoji="0" lang="en-US" dirty="0"/>
           </a:p>
@@ -5407,7 +5754,7 @@
                 </a:solidFill>
               </a:rPr>
               <a:pPr/>
-              <a:t>3/29/2024</a:t>
+              <a:t>4/11/2024</a:t>
             </a:fld>
             <a:endParaRPr kumimoji="0" lang="en-US" dirty="0"/>
           </a:p>
@@ -5747,7 +6094,7 @@
                 </a:solidFill>
               </a:rPr>
               <a:pPr/>
-              <a:t>3/29/2024</a:t>
+              <a:t>4/11/2024</a:t>
             </a:fld>
             <a:endParaRPr kumimoji="0" lang="en-US" dirty="0"/>
           </a:p>
@@ -6328,7 +6675,7 @@
                 </a:solidFill>
               </a:rPr>
               <a:pPr/>
-              <a:t>3/29/2024</a:t>
+              <a:t>4/11/2024</a:t>
             </a:fld>
             <a:endParaRPr kumimoji="0" lang="en-US" dirty="0"/>
           </a:p>
@@ -6897,7 +7244,7 @@
                 </a:solidFill>
               </a:rPr>
               <a:pPr/>
-              <a:t>3/29/2024</a:t>
+              <a:t>4/11/2024</a:t>
             </a:fld>
             <a:endParaRPr kumimoji="0" lang="en-US" dirty="0"/>
           </a:p>
@@ -7361,7 +7708,7 @@
                 </a:solidFill>
               </a:rPr>
               <a:pPr/>
-              <a:t>3/29/2024</a:t>
+              <a:t>4/11/2024</a:t>
             </a:fld>
             <a:endParaRPr kumimoji="0" lang="en-US" dirty="0"/>
           </a:p>
@@ -7790,7 +8137,7 @@
                 </a:solidFill>
               </a:rPr>
               <a:pPr/>
-              <a:t>3/29/2024</a:t>
+              <a:t>4/11/2024</a:t>
             </a:fld>
             <a:endParaRPr kumimoji="0" lang="en-US" dirty="0"/>
           </a:p>
@@ -8299,7 +8646,7 @@
                 </a:solidFill>
               </a:rPr>
               <a:pPr/>
-              <a:t>3/29/2024</a:t>
+              <a:t>4/11/2024</a:t>
             </a:fld>
             <a:endParaRPr kumimoji="0" lang="en-US" dirty="0"/>
           </a:p>
@@ -8808,7 +9155,7 @@
                 </a:solidFill>
               </a:rPr>
               <a:pPr/>
-              <a:t>3/29/2024</a:t>
+              <a:t>4/11/2024</a:t>
             </a:fld>
             <a:endParaRPr kumimoji="0" lang="en-US" dirty="0"/>
           </a:p>
@@ -9029,7 +9376,7 @@
                 </a:solidFill>
               </a:rPr>
               <a:pPr/>
-              <a:t>3/29/2024</a:t>
+              <a:t>4/11/2024</a:t>
             </a:fld>
             <a:endParaRPr kumimoji="0" lang="en-US" dirty="0"/>
           </a:p>
@@ -9301,7 +9648,7 @@
           <a:p>
             <a:fld id="{0495B665-C8E0-4414-8FEF-82ED686654F1}" type="datetimeFigureOut">
               <a:rPr lang="zh-TW" altLang="en-US" smtClean="0"/>
-              <a:t>2024/3/29</a:t>
+              <a:t>2024/4/11</a:t>
             </a:fld>
             <a:endParaRPr lang="zh-TW" altLang="en-US"/>
           </a:p>
@@ -9637,7 +9984,7 @@
                 </a:solidFill>
               </a:rPr>
               <a:pPr/>
-              <a:t>3/29/2024</a:t>
+              <a:t>4/11/2024</a:t>
             </a:fld>
             <a:endParaRPr kumimoji="0" lang="en-US" dirty="0"/>
           </a:p>
@@ -9861,7 +10208,7 @@
                 </a:solidFill>
               </a:rPr>
               <a:pPr/>
-              <a:t>3/29/2024</a:t>
+              <a:t>4/11/2024</a:t>
             </a:fld>
             <a:endParaRPr kumimoji="0" lang="en-US" dirty="0"/>
           </a:p>
@@ -10042,7 +10389,7 @@
             <a:fld id="{ACB2EC6F-6501-4E04-BD6C-A8A6CABB2C5B}" type="datetimeFigureOut">
               <a:rPr kumimoji="0" lang="en-US" smtClean="0"/>
               <a:pPr/>
-              <a:t>3/29/2024</a:t>
+              <a:t>4/11/2024</a:t>
             </a:fld>
             <a:endParaRPr kumimoji="0" lang="en-US" dirty="0"/>
           </a:p>
@@ -10326,7 +10673,7 @@
           <a:p>
             <a:fld id="{0495B665-C8E0-4414-8FEF-82ED686654F1}" type="datetimeFigureOut">
               <a:rPr lang="zh-TW" altLang="en-US" smtClean="0"/>
-              <a:t>2024/3/29</a:t>
+              <a:t>2024/4/11</a:t>
             </a:fld>
             <a:endParaRPr lang="zh-TW" altLang="en-US"/>
           </a:p>
@@ -10738,7 +11085,7 @@
           <a:p>
             <a:fld id="{0495B665-C8E0-4414-8FEF-82ED686654F1}" type="datetimeFigureOut">
               <a:rPr lang="zh-TW" altLang="en-US" smtClean="0"/>
-              <a:t>2024/3/29</a:t>
+              <a:t>2024/4/11</a:t>
             </a:fld>
             <a:endParaRPr lang="zh-TW" altLang="en-US"/>
           </a:p>
@@ -10879,7 +11226,7 @@
           <a:p>
             <a:fld id="{0495B665-C8E0-4414-8FEF-82ED686654F1}" type="datetimeFigureOut">
               <a:rPr lang="zh-TW" altLang="en-US" smtClean="0"/>
-              <a:t>2024/3/29</a:t>
+              <a:t>2024/4/11</a:t>
             </a:fld>
             <a:endParaRPr lang="zh-TW" altLang="en-US"/>
           </a:p>
@@ -10992,7 +11339,7 @@
           <a:p>
             <a:fld id="{0495B665-C8E0-4414-8FEF-82ED686654F1}" type="datetimeFigureOut">
               <a:rPr lang="zh-TW" altLang="en-US" smtClean="0"/>
-              <a:t>2024/3/29</a:t>
+              <a:t>2024/4/11</a:t>
             </a:fld>
             <a:endParaRPr lang="zh-TW" altLang="en-US"/>
           </a:p>
@@ -11303,7 +11650,7 @@
           <a:p>
             <a:fld id="{0495B665-C8E0-4414-8FEF-82ED686654F1}" type="datetimeFigureOut">
               <a:rPr lang="zh-TW" altLang="en-US" smtClean="0"/>
-              <a:t>2024/3/29</a:t>
+              <a:t>2024/4/11</a:t>
             </a:fld>
             <a:endParaRPr lang="zh-TW" altLang="en-US"/>
           </a:p>
@@ -11591,7 +11938,7 @@
           <a:p>
             <a:fld id="{0495B665-C8E0-4414-8FEF-82ED686654F1}" type="datetimeFigureOut">
               <a:rPr lang="zh-TW" altLang="en-US" smtClean="0"/>
-              <a:t>2024/3/29</a:t>
+              <a:t>2024/4/11</a:t>
             </a:fld>
             <a:endParaRPr lang="zh-TW" altLang="en-US"/>
           </a:p>
@@ -11832,7 +12179,7 @@
           <a:p>
             <a:fld id="{0495B665-C8E0-4414-8FEF-82ED686654F1}" type="datetimeFigureOut">
               <a:rPr lang="zh-TW" altLang="en-US" smtClean="0"/>
-              <a:t>2024/3/29</a:t>
+              <a:t>2024/4/11</a:t>
             </a:fld>
             <a:endParaRPr lang="zh-TW" altLang="en-US"/>
           </a:p>
@@ -12404,7 +12751,7 @@
                 </a:solidFill>
               </a:rPr>
               <a:pPr/>
-              <a:t>3/29/2024</a:t>
+              <a:t>4/11/2024</a:t>
             </a:fld>
             <a:endParaRPr kumimoji="0" lang="en-US" sz="1200" dirty="0">
               <a:solidFill>
@@ -13080,6 +13427,1252 @@
         <p:spPr>
           <a:xfrm>
             <a:off x="685800" y="1828800"/>
+            <a:ext cx="8077200" cy="4524315"/>
+          </a:xfrm>
+          <a:prstGeom prst="rect">
+            <a:avLst/>
+          </a:prstGeom>
+          <a:noFill/>
+        </p:spPr>
+        <p:txBody>
+          <a:bodyPr wrap="square" rtlCol="0">
+            <a:spAutoFit/>
+          </a:bodyPr>
+          <a:lstStyle/>
+          <a:p>
+            <a:pPr marL="514350" indent="-514350">
+              <a:buFont typeface="Arial" panose="020B0604020202020204" pitchFamily="34" charset="0"/>
+              <a:buChar char="•"/>
+            </a:pPr>
+            <a:r>
+              <a:rPr lang="en-US" altLang="zh-TW" sz="3200" dirty="0">
+                <a:latin typeface="微軟正黑體" panose="020B0604030504040204" pitchFamily="34" charset="-120"/>
+                <a:ea typeface="微軟正黑體" panose="020B0604030504040204" pitchFamily="34" charset="-120"/>
+              </a:rPr>
+              <a:t>Transformer </a:t>
+            </a:r>
+            <a:r>
+              <a:rPr lang="zh-TW" altLang="en-US" sz="3200" dirty="0">
+                <a:latin typeface="微軟正黑體" panose="020B0604030504040204" pitchFamily="34" charset="-120"/>
+                <a:ea typeface="微軟正黑體" panose="020B0604030504040204" pitchFamily="34" charset="-120"/>
+              </a:rPr>
+              <a:t>模型無法處理文字，第一步是將文字輸入轉換為模型理解的數字，使用</a:t>
+            </a:r>
+            <a:r>
+              <a:rPr lang="en-US" altLang="zh-TW" sz="3200" dirty="0">
+                <a:latin typeface="微軟正黑體" panose="020B0604030504040204" pitchFamily="34" charset="-120"/>
+                <a:ea typeface="微軟正黑體" panose="020B0604030504040204" pitchFamily="34" charset="-120"/>
+              </a:rPr>
+              <a:t>tokenizer</a:t>
+            </a:r>
+          </a:p>
+          <a:p>
+            <a:pPr marL="514350" indent="-514350">
+              <a:buFont typeface="Arial" panose="020B0604020202020204" pitchFamily="34" charset="0"/>
+              <a:buChar char="•"/>
+            </a:pPr>
+            <a:r>
+              <a:rPr lang="zh-TW" altLang="en-US" sz="3200" dirty="0">
+                <a:latin typeface="微軟正黑體" panose="020B0604030504040204" pitchFamily="34" charset="-120"/>
+                <a:ea typeface="微軟正黑體" panose="020B0604030504040204" pitchFamily="34" charset="-120"/>
+              </a:rPr>
+              <a:t>將輸入拆分為單詞、子單詞或符號（如標點符號），稱為標記</a:t>
+            </a:r>
+            <a:r>
+              <a:rPr lang="en-US" altLang="zh-TW" sz="3200" dirty="0">
+                <a:latin typeface="微軟正黑體" panose="020B0604030504040204" pitchFamily="34" charset="-120"/>
+                <a:ea typeface="微軟正黑體" panose="020B0604030504040204" pitchFamily="34" charset="-120"/>
+              </a:rPr>
+              <a:t>(token)</a:t>
+            </a:r>
+          </a:p>
+          <a:p>
+            <a:pPr marL="514350" indent="-514350">
+              <a:buFont typeface="Arial" panose="020B0604020202020204" pitchFamily="34" charset="0"/>
+              <a:buChar char="•"/>
+            </a:pPr>
+            <a:r>
+              <a:rPr lang="zh-TW" altLang="en-US" sz="3200" dirty="0">
+                <a:latin typeface="微軟正黑體" panose="020B0604030504040204" pitchFamily="34" charset="-120"/>
+                <a:ea typeface="微軟正黑體" panose="020B0604030504040204" pitchFamily="34" charset="-120"/>
+              </a:rPr>
+              <a:t>將每個標記</a:t>
+            </a:r>
+            <a:r>
+              <a:rPr lang="en-US" altLang="zh-TW" sz="3200" dirty="0">
+                <a:latin typeface="微軟正黑體" panose="020B0604030504040204" pitchFamily="34" charset="-120"/>
+                <a:ea typeface="微軟正黑體" panose="020B0604030504040204" pitchFamily="34" charset="-120"/>
+              </a:rPr>
+              <a:t>(token)</a:t>
+            </a:r>
+            <a:r>
+              <a:rPr lang="zh-TW" altLang="en-US" sz="3200" dirty="0">
+                <a:latin typeface="微軟正黑體" panose="020B0604030504040204" pitchFamily="34" charset="-120"/>
+                <a:ea typeface="微軟正黑體" panose="020B0604030504040204" pitchFamily="34" charset="-120"/>
+              </a:rPr>
+              <a:t>映射到一個整數</a:t>
+            </a:r>
+          </a:p>
+          <a:p>
+            <a:pPr marL="514350" indent="-514350">
+              <a:buFont typeface="Arial" panose="020B0604020202020204" pitchFamily="34" charset="0"/>
+              <a:buChar char="•"/>
+            </a:pPr>
+            <a:r>
+              <a:rPr lang="zh-TW" altLang="en-US" sz="3200" dirty="0">
+                <a:latin typeface="微軟正黑體" panose="020B0604030504040204" pitchFamily="34" charset="-120"/>
+                <a:ea typeface="微軟正黑體" panose="020B0604030504040204" pitchFamily="34" charset="-120"/>
+              </a:rPr>
+              <a:t>添加可能對模型有用的其他輸入</a:t>
+            </a:r>
+            <a:endParaRPr lang="en-US" altLang="zh-TW" sz="3200" dirty="0">
+              <a:latin typeface="微軟正黑體" panose="020B0604030504040204" pitchFamily="34" charset="-120"/>
+              <a:ea typeface="微軟正黑體" panose="020B0604030504040204" pitchFamily="34" charset="-120"/>
+            </a:endParaRPr>
+          </a:p>
+          <a:p>
+            <a:pPr marL="514350" indent="-514350">
+              <a:buFont typeface="Arial" panose="020B0604020202020204" pitchFamily="34" charset="0"/>
+              <a:buChar char="•"/>
+            </a:pPr>
+            <a:r>
+              <a:rPr lang="zh-TW" altLang="en-US" sz="3200" dirty="0">
+                <a:latin typeface="微軟正黑體" panose="020B0604030504040204" pitchFamily="34" charset="-120"/>
+                <a:ea typeface="微軟正黑體" panose="020B0604030504040204" pitchFamily="34" charset="-120"/>
+              </a:rPr>
+              <a:t>預處理都要以模型預訓練時完全相同的方式完成</a:t>
+            </a:r>
+            <a:endParaRPr lang="en-US" altLang="zh-TW" sz="3200" dirty="0">
+              <a:latin typeface="微軟正黑體" panose="020B0604030504040204" pitchFamily="34" charset="-120"/>
+              <a:ea typeface="微軟正黑體" panose="020B0604030504040204" pitchFamily="34" charset="-120"/>
+            </a:endParaRPr>
+          </a:p>
+        </p:txBody>
+      </p:sp>
+      <p:sp>
+        <p:nvSpPr>
+          <p:cNvPr id="4" name="文字版面配置區 2"/>
+          <p:cNvSpPr txBox="1">
+            <a:spLocks/>
+          </p:cNvSpPr>
+          <p:nvPr/>
+        </p:nvSpPr>
+        <p:spPr>
+          <a:xfrm>
+            <a:off x="1295400" y="304800"/>
+            <a:ext cx="6477000" cy="990600"/>
+          </a:xfrm>
+          <a:prstGeom prst="rect">
+            <a:avLst/>
+          </a:prstGeom>
+        </p:spPr>
+        <p:txBody>
+          <a:bodyPr tIns="91440" bIns="91440" anchor="b" anchorCtr="0">
+            <a:noAutofit/>
+          </a:bodyPr>
+          <a:lstStyle/>
+          <a:p>
+            <a:pPr marL="0" marR="0" lvl="0" indent="0" algn="just" defTabSz="914400" rtl="0" eaLnBrk="1" fontAlgn="auto" latinLnBrk="0" hangingPunct="1">
+              <a:lnSpc>
+                <a:spcPct val="100000"/>
+              </a:lnSpc>
+              <a:spcBef>
+                <a:spcPct val="20000"/>
+              </a:spcBef>
+              <a:spcAft>
+                <a:spcPts val="0"/>
+              </a:spcAft>
+              <a:buClrTx/>
+              <a:buSzTx/>
+              <a:buFontTx/>
+              <a:buNone/>
+              <a:tabLst/>
+              <a:defRPr/>
+            </a:pPr>
+            <a:r>
+              <a:rPr kumimoji="0" lang="zh-TW" altLang="en-US" sz="4800" b="1" i="0" u="none" strike="noStrike" kern="0" cap="none" spc="0" normalizeH="0" baseline="0" noProof="0" dirty="0">
+                <a:ln>
+                  <a:noFill/>
+                </a:ln>
+                <a:solidFill>
+                  <a:srgbClr val="00B0F0"/>
+                </a:solidFill>
+                <a:effectLst>
+                  <a:outerShdw blurRad="38100" dist="38100" dir="2700000" algn="tl">
+                    <a:srgbClr val="000000">
+                      <a:alpha val="43137"/>
+                    </a:srgbClr>
+                  </a:outerShdw>
+                </a:effectLst>
+                <a:uLnTx/>
+                <a:uFillTx/>
+                <a:latin typeface="微軟正黑體" panose="020B0604030504040204" pitchFamily="34" charset="-120"/>
+                <a:ea typeface="微軟正黑體" panose="020B0604030504040204" pitchFamily="34" charset="-120"/>
+                <a:cs typeface="+mn-cs"/>
+              </a:rPr>
+              <a:t>分詞預處理</a:t>
+            </a:r>
+          </a:p>
+        </p:txBody>
+      </p:sp>
+    </p:spTree>
+    <p:extLst>
+      <p:ext uri="{BB962C8B-B14F-4D97-AF65-F5344CB8AC3E}">
+        <p14:creationId xmlns:p14="http://schemas.microsoft.com/office/powerpoint/2010/main" val="1931395473"/>
+      </p:ext>
+    </p:extLst>
+  </p:cSld>
+  <p:clrMapOvr>
+    <a:masterClrMapping/>
+  </p:clrMapOvr>
+  <p:transition>
+    <p:fade/>
+  </p:transition>
+</p:sld>
+</file>
+
+<file path=ppt/slides/slide11.xml><?xml version="1.0" encoding="utf-8"?>
+<p:sld xmlns:a="http://schemas.openxmlformats.org/drawingml/2006/main" xmlns:r="http://schemas.openxmlformats.org/officeDocument/2006/relationships" xmlns:p="http://schemas.openxmlformats.org/presentationml/2006/main">
+  <p:cSld>
+    <p:spTree>
+      <p:nvGrpSpPr>
+        <p:cNvPr id="1" name=""/>
+        <p:cNvGrpSpPr/>
+        <p:nvPr/>
+      </p:nvGrpSpPr>
+      <p:grpSpPr>
+        <a:xfrm>
+          <a:off x="0" y="0"/>
+          <a:ext cx="0" cy="0"/>
+          <a:chOff x="0" y="0"/>
+          <a:chExt cx="0" cy="0"/>
+        </a:xfrm>
+      </p:grpSpPr>
+      <p:sp>
+        <p:nvSpPr>
+          <p:cNvPr id="5" name="文字方塊 4"/>
+          <p:cNvSpPr txBox="1"/>
+          <p:nvPr/>
+        </p:nvSpPr>
+        <p:spPr>
+          <a:xfrm>
+            <a:off x="685800" y="1828800"/>
+            <a:ext cx="8077200" cy="4524315"/>
+          </a:xfrm>
+          <a:prstGeom prst="rect">
+            <a:avLst/>
+          </a:prstGeom>
+          <a:noFill/>
+        </p:spPr>
+        <p:txBody>
+          <a:bodyPr wrap="square" rtlCol="0">
+            <a:spAutoFit/>
+          </a:bodyPr>
+          <a:lstStyle/>
+          <a:p>
+            <a:pPr marL="514350" indent="-514350">
+              <a:buFont typeface="Arial" panose="020B0604020202020204" pitchFamily="34" charset="0"/>
+              <a:buChar char="•"/>
+            </a:pPr>
+            <a:r>
+              <a:rPr lang="zh-TW" altLang="en-US" sz="3200" dirty="0">
+                <a:latin typeface="微軟正黑體" panose="020B0604030504040204" pitchFamily="34" charset="-120"/>
+                <a:ea typeface="微軟正黑體" panose="020B0604030504040204" pitchFamily="34" charset="-120"/>
+              </a:rPr>
+              <a:t>首先</a:t>
+            </a:r>
+            <a:r>
+              <a:rPr lang="en-US" altLang="zh-TW" sz="3200" dirty="0">
+                <a:latin typeface="微軟正黑體" panose="020B0604030504040204" pitchFamily="34" charset="-120"/>
+                <a:ea typeface="微軟正黑體" panose="020B0604030504040204" pitchFamily="34" charset="-120"/>
+              </a:rPr>
+              <a:t>Model Hub</a:t>
+            </a:r>
+            <a:r>
+              <a:rPr lang="zh-TW" altLang="en-US" sz="3200" dirty="0">
+                <a:latin typeface="微軟正黑體" panose="020B0604030504040204" pitchFamily="34" charset="-120"/>
+                <a:ea typeface="微軟正黑體" panose="020B0604030504040204" pitchFamily="34" charset="-120"/>
+              </a:rPr>
+              <a:t>中下載這些設定</a:t>
+            </a:r>
+            <a:endParaRPr lang="en-US" altLang="zh-TW" sz="3200" dirty="0">
+              <a:latin typeface="微軟正黑體" panose="020B0604030504040204" pitchFamily="34" charset="-120"/>
+              <a:ea typeface="微軟正黑體" panose="020B0604030504040204" pitchFamily="34" charset="-120"/>
+            </a:endParaRPr>
+          </a:p>
+          <a:p>
+            <a:pPr marL="514350" indent="-514350">
+              <a:buFont typeface="Arial" panose="020B0604020202020204" pitchFamily="34" charset="0"/>
+              <a:buChar char="•"/>
+            </a:pPr>
+            <a:r>
+              <a:rPr lang="zh-TW" altLang="en-US" sz="3200" dirty="0">
+                <a:latin typeface="微軟正黑體" panose="020B0604030504040204" pitchFamily="34" charset="-120"/>
+                <a:ea typeface="微軟正黑體" panose="020B0604030504040204" pitchFamily="34" charset="-120"/>
+              </a:rPr>
+              <a:t>使用</a:t>
+            </a:r>
+            <a:r>
+              <a:rPr lang="en-US" altLang="zh-TW" sz="3200" dirty="0" err="1">
+                <a:latin typeface="微軟正黑體" panose="020B0604030504040204" pitchFamily="34" charset="-120"/>
+                <a:ea typeface="微軟正黑體" panose="020B0604030504040204" pitchFamily="34" charset="-120"/>
+              </a:rPr>
+              <a:t>AutoTokenizer</a:t>
+            </a:r>
+            <a:r>
+              <a:rPr lang="zh-TW" altLang="en-US" sz="3200" dirty="0">
+                <a:latin typeface="微軟正黑體" panose="020B0604030504040204" pitchFamily="34" charset="-120"/>
+                <a:ea typeface="微軟正黑體" panose="020B0604030504040204" pitchFamily="34" charset="-120"/>
+              </a:rPr>
+              <a:t>類別及</a:t>
+            </a:r>
+            <a:r>
+              <a:rPr lang="en-US" altLang="zh-TW" sz="3200" dirty="0" err="1">
+                <a:latin typeface="微軟正黑體" panose="020B0604030504040204" pitchFamily="34" charset="-120"/>
+                <a:ea typeface="微軟正黑體" panose="020B0604030504040204" pitchFamily="34" charset="-120"/>
+              </a:rPr>
+              <a:t>from_pretrained</a:t>
+            </a:r>
+            <a:r>
+              <a:rPr lang="en-US" altLang="zh-TW" sz="3200" dirty="0">
+                <a:latin typeface="微軟正黑體" panose="020B0604030504040204" pitchFamily="34" charset="-120"/>
+                <a:ea typeface="微軟正黑體" panose="020B0604030504040204" pitchFamily="34" charset="-120"/>
+              </a:rPr>
+              <a:t>()</a:t>
+            </a:r>
+            <a:r>
+              <a:rPr lang="zh-TW" altLang="en-US" sz="3200" dirty="0">
+                <a:latin typeface="微軟正黑體" panose="020B0604030504040204" pitchFamily="34" charset="-120"/>
+                <a:ea typeface="微軟正黑體" panose="020B0604030504040204" pitchFamily="34" charset="-120"/>
+              </a:rPr>
+              <a:t>方法</a:t>
+            </a:r>
+            <a:endParaRPr lang="en-US" altLang="zh-TW" sz="3200" dirty="0">
+              <a:latin typeface="微軟正黑體" panose="020B0604030504040204" pitchFamily="34" charset="-120"/>
+              <a:ea typeface="微軟正黑體" panose="020B0604030504040204" pitchFamily="34" charset="-120"/>
+            </a:endParaRPr>
+          </a:p>
+          <a:p>
+            <a:pPr marL="514350" indent="-514350">
+              <a:buFont typeface="Arial" panose="020B0604020202020204" pitchFamily="34" charset="0"/>
+              <a:buChar char="•"/>
+            </a:pPr>
+            <a:r>
+              <a:rPr lang="zh-TW" altLang="en-US" sz="3200" dirty="0">
+                <a:latin typeface="微軟正黑體" panose="020B0604030504040204" pitchFamily="34" charset="-120"/>
+                <a:ea typeface="微軟正黑體" panose="020B0604030504040204" pitchFamily="34" charset="-120"/>
+              </a:rPr>
+              <a:t>使用模型的</a:t>
+            </a:r>
+            <a:r>
+              <a:rPr lang="en-US" altLang="zh-TW" sz="3200" dirty="0">
+                <a:latin typeface="微軟正黑體" panose="020B0604030504040204" pitchFamily="34" charset="-120"/>
+                <a:ea typeface="微軟正黑體" panose="020B0604030504040204" pitchFamily="34" charset="-120"/>
+              </a:rPr>
+              <a:t>checkpoint</a:t>
+            </a:r>
+            <a:r>
+              <a:rPr lang="zh-TW" altLang="en-US" sz="3200" dirty="0">
+                <a:latin typeface="微軟正黑體" panose="020B0604030504040204" pitchFamily="34" charset="-120"/>
+                <a:ea typeface="微軟正黑體" panose="020B0604030504040204" pitchFamily="34" charset="-120"/>
+              </a:rPr>
+              <a:t>自動獲取與模型的</a:t>
+            </a:r>
+            <a:r>
+              <a:rPr lang="en-US" altLang="zh-TW" sz="3200" dirty="0">
+                <a:latin typeface="微軟正黑體" panose="020B0604030504040204" pitchFamily="34" charset="-120"/>
+                <a:ea typeface="微軟正黑體" panose="020B0604030504040204" pitchFamily="34" charset="-120"/>
+              </a:rPr>
+              <a:t>tokenizer</a:t>
+            </a:r>
+            <a:r>
+              <a:rPr lang="zh-TW" altLang="en-US" sz="3200" dirty="0">
+                <a:latin typeface="微軟正黑體" panose="020B0604030504040204" pitchFamily="34" charset="-120"/>
+                <a:ea typeface="微軟正黑體" panose="020B0604030504040204" pitchFamily="34" charset="-120"/>
+              </a:rPr>
+              <a:t>相關聯的資料</a:t>
+            </a:r>
+            <a:endParaRPr lang="en-US" altLang="zh-TW" sz="3200" dirty="0">
+              <a:latin typeface="微軟正黑體" panose="020B0604030504040204" pitchFamily="34" charset="-120"/>
+              <a:ea typeface="微軟正黑體" panose="020B0604030504040204" pitchFamily="34" charset="-120"/>
+            </a:endParaRPr>
+          </a:p>
+          <a:p>
+            <a:pPr marL="514350" indent="-514350">
+              <a:buFont typeface="Arial" panose="020B0604020202020204" pitchFamily="34" charset="0"/>
+              <a:buChar char="•"/>
+            </a:pPr>
+            <a:r>
+              <a:rPr lang="zh-TW" altLang="en-US" sz="3200" dirty="0">
+                <a:latin typeface="微軟正黑體" panose="020B0604030504040204" pitchFamily="34" charset="-120"/>
+                <a:ea typeface="微軟正黑體" panose="020B0604030504040204" pitchFamily="34" charset="-120"/>
+              </a:rPr>
+              <a:t>第一次運行時才會下載，之後存在電腦中</a:t>
+            </a:r>
+            <a:endParaRPr lang="en-US" altLang="zh-TW" sz="3200" dirty="0">
+              <a:latin typeface="微軟正黑體" panose="020B0604030504040204" pitchFamily="34" charset="-120"/>
+              <a:ea typeface="微軟正黑體" panose="020B0604030504040204" pitchFamily="34" charset="-120"/>
+            </a:endParaRPr>
+          </a:p>
+          <a:p>
+            <a:pPr marL="514350" indent="-514350">
+              <a:buFont typeface="Arial" panose="020B0604020202020204" pitchFamily="34" charset="0"/>
+              <a:buChar char="•"/>
+            </a:pPr>
+            <a:r>
+              <a:rPr lang="en-US" altLang="zh-TW" sz="3200" dirty="0">
+                <a:latin typeface="微軟正黑體" panose="020B0604030504040204" pitchFamily="34" charset="-120"/>
+                <a:ea typeface="微軟正黑體" panose="020B0604030504040204" pitchFamily="34" charset="-120"/>
+              </a:rPr>
+              <a:t>sentiment-analysis</a:t>
+            </a:r>
+            <a:r>
+              <a:rPr lang="zh-TW" altLang="en-US" sz="3200" dirty="0">
+                <a:latin typeface="微軟正黑體" panose="020B0604030504040204" pitchFamily="34" charset="-120"/>
+                <a:ea typeface="微軟正黑體" panose="020B0604030504040204" pitchFamily="34" charset="-120"/>
+              </a:rPr>
+              <a:t>管道的預設</a:t>
+            </a:r>
+            <a:r>
+              <a:rPr lang="en-US" altLang="zh-TW" sz="3200" dirty="0">
+                <a:latin typeface="微軟正黑體" panose="020B0604030504040204" pitchFamily="34" charset="-120"/>
+                <a:ea typeface="微軟正黑體" panose="020B0604030504040204" pitchFamily="34" charset="-120"/>
+              </a:rPr>
+              <a:t>checkpoint</a:t>
+            </a:r>
+            <a:r>
+              <a:rPr lang="zh-TW" altLang="en-US" sz="3200" dirty="0">
+                <a:latin typeface="微軟正黑體" panose="020B0604030504040204" pitchFamily="34" charset="-120"/>
+                <a:ea typeface="微軟正黑體" panose="020B0604030504040204" pitchFamily="34" charset="-120"/>
+              </a:rPr>
+              <a:t>是</a:t>
+            </a:r>
+            <a:r>
+              <a:rPr lang="en-US" altLang="zh-TW" sz="3200" dirty="0">
+                <a:latin typeface="微軟正黑體" panose="020B0604030504040204" pitchFamily="34" charset="-120"/>
+                <a:ea typeface="微軟正黑體" panose="020B0604030504040204" pitchFamily="34" charset="-120"/>
+              </a:rPr>
+              <a:t>distilbert-base-uncased-finetuned-sst-2-english</a:t>
+            </a:r>
+          </a:p>
+        </p:txBody>
+      </p:sp>
+      <p:sp>
+        <p:nvSpPr>
+          <p:cNvPr id="4" name="文字版面配置區 2"/>
+          <p:cNvSpPr txBox="1">
+            <a:spLocks/>
+          </p:cNvSpPr>
+          <p:nvPr/>
+        </p:nvSpPr>
+        <p:spPr>
+          <a:xfrm>
+            <a:off x="1295400" y="304800"/>
+            <a:ext cx="6477000" cy="990600"/>
+          </a:xfrm>
+          <a:prstGeom prst="rect">
+            <a:avLst/>
+          </a:prstGeom>
+        </p:spPr>
+        <p:txBody>
+          <a:bodyPr tIns="91440" bIns="91440" anchor="b" anchorCtr="0">
+            <a:noAutofit/>
+          </a:bodyPr>
+          <a:lstStyle/>
+          <a:p>
+            <a:pPr marL="0" marR="0" lvl="0" indent="0" algn="just" defTabSz="914400" rtl="0" eaLnBrk="1" fontAlgn="auto" latinLnBrk="0" hangingPunct="1">
+              <a:lnSpc>
+                <a:spcPct val="100000"/>
+              </a:lnSpc>
+              <a:spcBef>
+                <a:spcPct val="20000"/>
+              </a:spcBef>
+              <a:spcAft>
+                <a:spcPts val="0"/>
+              </a:spcAft>
+              <a:buClrTx/>
+              <a:buSzTx/>
+              <a:buFontTx/>
+              <a:buNone/>
+              <a:tabLst/>
+              <a:defRPr/>
+            </a:pPr>
+            <a:r>
+              <a:rPr kumimoji="0" lang="zh-TW" altLang="en-US" sz="4800" b="1" i="0" u="none" strike="noStrike" kern="0" cap="none" spc="0" normalizeH="0" baseline="0" noProof="0" dirty="0">
+                <a:ln>
+                  <a:noFill/>
+                </a:ln>
+                <a:solidFill>
+                  <a:srgbClr val="00B0F0"/>
+                </a:solidFill>
+                <a:effectLst>
+                  <a:outerShdw blurRad="38100" dist="38100" dir="2700000" algn="tl">
+                    <a:srgbClr val="000000">
+                      <a:alpha val="43137"/>
+                    </a:srgbClr>
+                  </a:outerShdw>
+                </a:effectLst>
+                <a:uLnTx/>
+                <a:uFillTx/>
+                <a:latin typeface="微軟正黑體" panose="020B0604030504040204" pitchFamily="34" charset="-120"/>
+                <a:ea typeface="微軟正黑體" panose="020B0604030504040204" pitchFamily="34" charset="-120"/>
+                <a:cs typeface="+mn-cs"/>
+              </a:rPr>
+              <a:t>分詞預處理</a:t>
+            </a:r>
+          </a:p>
+        </p:txBody>
+      </p:sp>
+    </p:spTree>
+    <p:extLst>
+      <p:ext uri="{BB962C8B-B14F-4D97-AF65-F5344CB8AC3E}">
+        <p14:creationId xmlns:p14="http://schemas.microsoft.com/office/powerpoint/2010/main" val="1593249368"/>
+      </p:ext>
+    </p:extLst>
+  </p:cSld>
+  <p:clrMapOvr>
+    <a:masterClrMapping/>
+  </p:clrMapOvr>
+  <p:transition>
+    <p:fade/>
+  </p:transition>
+</p:sld>
+</file>
+
+<file path=ppt/slides/slide12.xml><?xml version="1.0" encoding="utf-8"?>
+<p:sld xmlns:a="http://schemas.openxmlformats.org/drawingml/2006/main" xmlns:r="http://schemas.openxmlformats.org/officeDocument/2006/relationships" xmlns:p="http://schemas.openxmlformats.org/presentationml/2006/main">
+  <p:cSld>
+    <p:spTree>
+      <p:nvGrpSpPr>
+        <p:cNvPr id="1" name=""/>
+        <p:cNvGrpSpPr/>
+        <p:nvPr/>
+      </p:nvGrpSpPr>
+      <p:grpSpPr>
+        <a:xfrm>
+          <a:off x="0" y="0"/>
+          <a:ext cx="0" cy="0"/>
+          <a:chOff x="0" y="0"/>
+          <a:chExt cx="0" cy="0"/>
+        </a:xfrm>
+      </p:grpSpPr>
+      <p:pic>
+        <p:nvPicPr>
+          <p:cNvPr id="5" name="圖片 4">
+            <a:extLst>
+              <a:ext uri="{FF2B5EF4-FFF2-40B4-BE49-F238E27FC236}">
+                <a16:creationId xmlns:a16="http://schemas.microsoft.com/office/drawing/2014/main" id="{63CA8A61-1957-60DC-0F1C-76C947A8B617}"/>
+              </a:ext>
+            </a:extLst>
+          </p:cNvPr>
+          <p:cNvPicPr>
+            <a:picLocks noChangeAspect="1"/>
+          </p:cNvPicPr>
+          <p:nvPr/>
+        </p:nvPicPr>
+        <p:blipFill>
+          <a:blip r:embed="rId2"/>
+          <a:stretch>
+            <a:fillRect/>
+          </a:stretch>
+        </p:blipFill>
+        <p:spPr>
+          <a:xfrm>
+            <a:off x="342900" y="2581275"/>
+            <a:ext cx="8458200" cy="1695450"/>
+          </a:xfrm>
+          <a:prstGeom prst="rect">
+            <a:avLst/>
+          </a:prstGeom>
+        </p:spPr>
+      </p:pic>
+    </p:spTree>
+    <p:extLst>
+      <p:ext uri="{BB962C8B-B14F-4D97-AF65-F5344CB8AC3E}">
+        <p14:creationId xmlns:p14="http://schemas.microsoft.com/office/powerpoint/2010/main" val="1398721676"/>
+      </p:ext>
+    </p:extLst>
+  </p:cSld>
+  <p:clrMapOvr>
+    <a:masterClrMapping/>
+  </p:clrMapOvr>
+  <p:transition>
+    <p:fade/>
+  </p:transition>
+</p:sld>
+</file>
+
+<file path=ppt/slides/slide13.xml><?xml version="1.0" encoding="utf-8"?>
+<p:sld xmlns:a="http://schemas.openxmlformats.org/drawingml/2006/main" xmlns:r="http://schemas.openxmlformats.org/officeDocument/2006/relationships" xmlns:p="http://schemas.openxmlformats.org/presentationml/2006/main">
+  <p:cSld>
+    <p:spTree>
+      <p:nvGrpSpPr>
+        <p:cNvPr id="1" name=""/>
+        <p:cNvGrpSpPr/>
+        <p:nvPr/>
+      </p:nvGrpSpPr>
+      <p:grpSpPr>
+        <a:xfrm>
+          <a:off x="0" y="0"/>
+          <a:ext cx="0" cy="0"/>
+          <a:chOff x="0" y="0"/>
+          <a:chExt cx="0" cy="0"/>
+        </a:xfrm>
+      </p:grpSpPr>
+      <p:sp>
+        <p:nvSpPr>
+          <p:cNvPr id="5" name="文字方塊 4"/>
+          <p:cNvSpPr txBox="1"/>
+          <p:nvPr/>
+        </p:nvSpPr>
+        <p:spPr>
+          <a:xfrm>
+            <a:off x="685800" y="1828800"/>
+            <a:ext cx="8077200" cy="2062103"/>
+          </a:xfrm>
+          <a:prstGeom prst="rect">
+            <a:avLst/>
+          </a:prstGeom>
+          <a:noFill/>
+        </p:spPr>
+        <p:txBody>
+          <a:bodyPr wrap="square" rtlCol="0">
+            <a:spAutoFit/>
+          </a:bodyPr>
+          <a:lstStyle/>
+          <a:p>
+            <a:pPr marL="514350" indent="-514350">
+              <a:buFont typeface="Arial" panose="020B0604020202020204" pitchFamily="34" charset="0"/>
+              <a:buChar char="•"/>
+            </a:pPr>
+            <a:r>
+              <a:rPr lang="zh-TW" altLang="en-US" sz="3200" dirty="0">
+                <a:latin typeface="微軟正黑體" panose="020B0604030504040204" pitchFamily="34" charset="-120"/>
+                <a:ea typeface="微軟正黑體" panose="020B0604030504040204" pitchFamily="34" charset="-120"/>
+              </a:rPr>
+              <a:t>將模型要預測的句子傳給</a:t>
+            </a:r>
+            <a:r>
+              <a:rPr lang="en-US" altLang="zh-TW" sz="3200" dirty="0">
+                <a:latin typeface="微軟正黑體" panose="020B0604030504040204" pitchFamily="34" charset="-120"/>
+                <a:ea typeface="微軟正黑體" panose="020B0604030504040204" pitchFamily="34" charset="-120"/>
+              </a:rPr>
+              <a:t>tokenizer</a:t>
+            </a:r>
+            <a:r>
+              <a:rPr lang="zh-TW" altLang="en-US" sz="3200" dirty="0">
+                <a:latin typeface="微軟正黑體" panose="020B0604030504040204" pitchFamily="34" charset="-120"/>
+                <a:ea typeface="微軟正黑體" panose="020B0604030504040204" pitchFamily="34" charset="-120"/>
+              </a:rPr>
+              <a:t>進行分詞</a:t>
+            </a:r>
+            <a:endParaRPr lang="en-US" altLang="zh-TW" sz="3200" dirty="0">
+              <a:latin typeface="微軟正黑體" panose="020B0604030504040204" pitchFamily="34" charset="-120"/>
+              <a:ea typeface="微軟正黑體" panose="020B0604030504040204" pitchFamily="34" charset="-120"/>
+            </a:endParaRPr>
+          </a:p>
+          <a:p>
+            <a:pPr marL="514350" indent="-514350">
+              <a:buFont typeface="Arial" panose="020B0604020202020204" pitchFamily="34" charset="0"/>
+              <a:buChar char="•"/>
+            </a:pPr>
+            <a:r>
+              <a:rPr lang="zh-TW" altLang="en-US" sz="3200" dirty="0">
+                <a:latin typeface="微軟正黑體" panose="020B0604030504040204" pitchFamily="34" charset="-120"/>
+                <a:ea typeface="微軟正黑體" panose="020B0604030504040204" pitchFamily="34" charset="-120"/>
+              </a:rPr>
+              <a:t>將分詞的詞轉換成</a:t>
+            </a:r>
+            <a:r>
+              <a:rPr lang="en-US" altLang="zh-TW" sz="3200" dirty="0">
+                <a:latin typeface="微軟正黑體" panose="020B0604030504040204" pitchFamily="34" charset="-120"/>
+                <a:ea typeface="微軟正黑體" panose="020B0604030504040204" pitchFamily="34" charset="-120"/>
+              </a:rPr>
+              <a:t>id</a:t>
+            </a:r>
+          </a:p>
+          <a:p>
+            <a:pPr marL="514350" indent="-514350">
+              <a:buFont typeface="Arial" panose="020B0604020202020204" pitchFamily="34" charset="0"/>
+              <a:buChar char="•"/>
+            </a:pPr>
+            <a:r>
+              <a:rPr lang="zh-TW" altLang="en-US" sz="3200" dirty="0">
+                <a:latin typeface="微軟正黑體" panose="020B0604030504040204" pitchFamily="34" charset="-120"/>
+                <a:ea typeface="微軟正黑體" panose="020B0604030504040204" pitchFamily="34" charset="-120"/>
+              </a:rPr>
+              <a:t>這個</a:t>
+            </a:r>
+            <a:r>
+              <a:rPr lang="en-US" altLang="zh-TW" sz="3200" dirty="0">
+                <a:latin typeface="微軟正黑體" panose="020B0604030504040204" pitchFamily="34" charset="-120"/>
+                <a:ea typeface="微軟正黑體" panose="020B0604030504040204" pitchFamily="34" charset="-120"/>
+              </a:rPr>
+              <a:t>id</a:t>
+            </a:r>
+            <a:r>
+              <a:rPr lang="zh-TW" altLang="en-US" sz="3200" dirty="0">
+                <a:latin typeface="微軟正黑體" panose="020B0604030504040204" pitchFamily="34" charset="-120"/>
+                <a:ea typeface="微軟正黑體" panose="020B0604030504040204" pitchFamily="34" charset="-120"/>
+              </a:rPr>
+              <a:t>將對應到模型中的</a:t>
+            </a:r>
+            <a:r>
+              <a:rPr lang="en-US" altLang="zh-TW" sz="3200" dirty="0">
+                <a:latin typeface="微軟正黑體" panose="020B0604030504040204" pitchFamily="34" charset="-120"/>
+                <a:ea typeface="微軟正黑體" panose="020B0604030504040204" pitchFamily="34" charset="-120"/>
+              </a:rPr>
+              <a:t>embedding</a:t>
+            </a:r>
+            <a:r>
+              <a:rPr lang="zh-TW" altLang="en-US" sz="3200" dirty="0">
+                <a:latin typeface="微軟正黑體" panose="020B0604030504040204" pitchFamily="34" charset="-120"/>
+                <a:ea typeface="微軟正黑體" panose="020B0604030504040204" pitchFamily="34" charset="-120"/>
+              </a:rPr>
+              <a:t>表</a:t>
+            </a:r>
+            <a:endParaRPr lang="en-US" altLang="zh-TW" sz="3200" dirty="0">
+              <a:latin typeface="微軟正黑體" panose="020B0604030504040204" pitchFamily="34" charset="-120"/>
+              <a:ea typeface="微軟正黑體" panose="020B0604030504040204" pitchFamily="34" charset="-120"/>
+            </a:endParaRPr>
+          </a:p>
+        </p:txBody>
+      </p:sp>
+      <p:sp>
+        <p:nvSpPr>
+          <p:cNvPr id="4" name="文字版面配置區 2"/>
+          <p:cNvSpPr txBox="1">
+            <a:spLocks/>
+          </p:cNvSpPr>
+          <p:nvPr/>
+        </p:nvSpPr>
+        <p:spPr>
+          <a:xfrm>
+            <a:off x="1295400" y="304800"/>
+            <a:ext cx="6477000" cy="990600"/>
+          </a:xfrm>
+          <a:prstGeom prst="rect">
+            <a:avLst/>
+          </a:prstGeom>
+        </p:spPr>
+        <p:txBody>
+          <a:bodyPr tIns="91440" bIns="91440" anchor="b" anchorCtr="0">
+            <a:noAutofit/>
+          </a:bodyPr>
+          <a:lstStyle/>
+          <a:p>
+            <a:pPr marL="0" marR="0" lvl="0" indent="0" algn="just" defTabSz="914400" rtl="0" eaLnBrk="1" fontAlgn="auto" latinLnBrk="0" hangingPunct="1">
+              <a:lnSpc>
+                <a:spcPct val="100000"/>
+              </a:lnSpc>
+              <a:spcBef>
+                <a:spcPct val="20000"/>
+              </a:spcBef>
+              <a:spcAft>
+                <a:spcPts val="0"/>
+              </a:spcAft>
+              <a:buClrTx/>
+              <a:buSzTx/>
+              <a:buFontTx/>
+              <a:buNone/>
+              <a:tabLst/>
+              <a:defRPr/>
+            </a:pPr>
+            <a:r>
+              <a:rPr kumimoji="0" lang="zh-TW" altLang="en-US" sz="4800" b="1" i="0" u="none" strike="noStrike" kern="0" cap="none" spc="0" normalizeH="0" baseline="0" noProof="0" dirty="0">
+                <a:ln>
+                  <a:noFill/>
+                </a:ln>
+                <a:solidFill>
+                  <a:srgbClr val="00B0F0"/>
+                </a:solidFill>
+                <a:effectLst>
+                  <a:outerShdw blurRad="38100" dist="38100" dir="2700000" algn="tl">
+                    <a:srgbClr val="000000">
+                      <a:alpha val="43137"/>
+                    </a:srgbClr>
+                  </a:outerShdw>
+                </a:effectLst>
+                <a:uLnTx/>
+                <a:uFillTx/>
+                <a:latin typeface="微軟正黑體" panose="020B0604030504040204" pitchFamily="34" charset="-120"/>
+                <a:ea typeface="微軟正黑體" panose="020B0604030504040204" pitchFamily="34" charset="-120"/>
+                <a:cs typeface="+mn-cs"/>
+              </a:rPr>
+              <a:t>分詞預處理</a:t>
+            </a:r>
+          </a:p>
+        </p:txBody>
+      </p:sp>
+      <p:pic>
+        <p:nvPicPr>
+          <p:cNvPr id="3" name="圖片 2">
+            <a:extLst>
+              <a:ext uri="{FF2B5EF4-FFF2-40B4-BE49-F238E27FC236}">
+                <a16:creationId xmlns:a16="http://schemas.microsoft.com/office/drawing/2014/main" id="{4143D62B-48F8-D295-9124-79A32E762F18}"/>
+              </a:ext>
+            </a:extLst>
+          </p:cNvPr>
+          <p:cNvPicPr>
+            <a:picLocks noChangeAspect="1"/>
+          </p:cNvPicPr>
+          <p:nvPr/>
+        </p:nvPicPr>
+        <p:blipFill>
+          <a:blip r:embed="rId3"/>
+          <a:stretch>
+            <a:fillRect/>
+          </a:stretch>
+        </p:blipFill>
+        <p:spPr>
+          <a:xfrm>
+            <a:off x="990600" y="4451022"/>
+            <a:ext cx="7620000" cy="1829661"/>
+          </a:xfrm>
+          <a:prstGeom prst="rect">
+            <a:avLst/>
+          </a:prstGeom>
+        </p:spPr>
+      </p:pic>
+    </p:spTree>
+    <p:extLst>
+      <p:ext uri="{BB962C8B-B14F-4D97-AF65-F5344CB8AC3E}">
+        <p14:creationId xmlns:p14="http://schemas.microsoft.com/office/powerpoint/2010/main" val="699322"/>
+      </p:ext>
+    </p:extLst>
+  </p:cSld>
+  <p:clrMapOvr>
+    <a:masterClrMapping/>
+  </p:clrMapOvr>
+  <p:transition>
+    <p:fade/>
+  </p:transition>
+</p:sld>
+</file>
+
+<file path=ppt/slides/slide14.xml><?xml version="1.0" encoding="utf-8"?>
+<p:sld xmlns:a="http://schemas.openxmlformats.org/drawingml/2006/main" xmlns:r="http://schemas.openxmlformats.org/officeDocument/2006/relationships" xmlns:p="http://schemas.openxmlformats.org/presentationml/2006/main">
+  <p:cSld>
+    <p:spTree>
+      <p:nvGrpSpPr>
+        <p:cNvPr id="1" name=""/>
+        <p:cNvGrpSpPr/>
+        <p:nvPr/>
+      </p:nvGrpSpPr>
+      <p:grpSpPr>
+        <a:xfrm>
+          <a:off x="0" y="0"/>
+          <a:ext cx="0" cy="0"/>
+          <a:chOff x="0" y="0"/>
+          <a:chExt cx="0" cy="0"/>
+        </a:xfrm>
+      </p:grpSpPr>
+      <p:pic>
+        <p:nvPicPr>
+          <p:cNvPr id="5" name="圖片 4">
+            <a:extLst>
+              <a:ext uri="{FF2B5EF4-FFF2-40B4-BE49-F238E27FC236}">
+                <a16:creationId xmlns:a16="http://schemas.microsoft.com/office/drawing/2014/main" id="{F6291E37-8BE7-2BEF-48C2-8C35A293D96D}"/>
+              </a:ext>
+            </a:extLst>
+          </p:cNvPr>
+          <p:cNvPicPr>
+            <a:picLocks noChangeAspect="1"/>
+          </p:cNvPicPr>
+          <p:nvPr/>
+        </p:nvPicPr>
+        <p:blipFill>
+          <a:blip r:embed="rId2"/>
+          <a:stretch>
+            <a:fillRect/>
+          </a:stretch>
+        </p:blipFill>
+        <p:spPr>
+          <a:xfrm>
+            <a:off x="0" y="1890460"/>
+            <a:ext cx="9144000" cy="3077079"/>
+          </a:xfrm>
+          <a:prstGeom prst="rect">
+            <a:avLst/>
+          </a:prstGeom>
+        </p:spPr>
+      </p:pic>
+    </p:spTree>
+    <p:extLst>
+      <p:ext uri="{BB962C8B-B14F-4D97-AF65-F5344CB8AC3E}">
+        <p14:creationId xmlns:p14="http://schemas.microsoft.com/office/powerpoint/2010/main" val="1657473178"/>
+      </p:ext>
+    </p:extLst>
+  </p:cSld>
+  <p:clrMapOvr>
+    <a:masterClrMapping/>
+  </p:clrMapOvr>
+  <p:transition>
+    <p:fade/>
+  </p:transition>
+</p:sld>
+</file>
+
+<file path=ppt/slides/slide15.xml><?xml version="1.0" encoding="utf-8"?>
+<p:sld xmlns:a="http://schemas.openxmlformats.org/drawingml/2006/main" xmlns:r="http://schemas.openxmlformats.org/officeDocument/2006/relationships" xmlns:p="http://schemas.openxmlformats.org/presentationml/2006/main">
+  <p:cSld>
+    <p:spTree>
+      <p:nvGrpSpPr>
+        <p:cNvPr id="1" name=""/>
+        <p:cNvGrpSpPr/>
+        <p:nvPr/>
+      </p:nvGrpSpPr>
+      <p:grpSpPr>
+        <a:xfrm>
+          <a:off x="0" y="0"/>
+          <a:ext cx="0" cy="0"/>
+          <a:chOff x="0" y="0"/>
+          <a:chExt cx="0" cy="0"/>
+        </a:xfrm>
+      </p:grpSpPr>
+      <p:sp>
+        <p:nvSpPr>
+          <p:cNvPr id="5" name="文字方塊 4"/>
+          <p:cNvSpPr txBox="1"/>
+          <p:nvPr/>
+        </p:nvSpPr>
+        <p:spPr>
+          <a:xfrm>
+            <a:off x="685800" y="1828800"/>
+            <a:ext cx="8077200" cy="3539430"/>
+          </a:xfrm>
+          <a:prstGeom prst="rect">
+            <a:avLst/>
+          </a:prstGeom>
+          <a:noFill/>
+        </p:spPr>
+        <p:txBody>
+          <a:bodyPr wrap="square" rtlCol="0">
+            <a:spAutoFit/>
+          </a:bodyPr>
+          <a:lstStyle/>
+          <a:p>
+            <a:pPr marL="514350" indent="-514350">
+              <a:buFont typeface="Arial" panose="020B0604020202020204" pitchFamily="34" charset="0"/>
+              <a:buChar char="•"/>
+            </a:pPr>
+            <a:r>
+              <a:rPr lang="zh-TW" altLang="en-US" sz="3200" dirty="0">
+                <a:latin typeface="微軟正黑體" panose="020B0604030504040204" pitchFamily="34" charset="-120"/>
+                <a:ea typeface="微軟正黑體" panose="020B0604030504040204" pitchFamily="34" charset="-120"/>
+              </a:rPr>
+              <a:t>原意是一個設計出來的網路架構</a:t>
+            </a:r>
+            <a:endParaRPr lang="en-US" altLang="zh-TW" sz="3200" dirty="0">
+              <a:latin typeface="微軟正黑體" panose="020B0604030504040204" pitchFamily="34" charset="-120"/>
+              <a:ea typeface="微軟正黑體" panose="020B0604030504040204" pitchFamily="34" charset="-120"/>
+            </a:endParaRPr>
+          </a:p>
+          <a:p>
+            <a:pPr marL="514350" indent="-514350">
+              <a:buFont typeface="Arial" panose="020B0604020202020204" pitchFamily="34" charset="0"/>
+              <a:buChar char="•"/>
+            </a:pPr>
+            <a:r>
+              <a:rPr lang="zh-TW" altLang="en-US" sz="3200" dirty="0">
+                <a:latin typeface="微軟正黑體" panose="020B0604030504040204" pitchFamily="34" charset="-120"/>
+                <a:ea typeface="微軟正黑體" panose="020B0604030504040204" pitchFamily="34" charset="-120"/>
+              </a:rPr>
+              <a:t>但在</a:t>
+            </a:r>
+            <a:r>
+              <a:rPr lang="en-US" altLang="zh-TW" sz="3200" dirty="0" err="1">
+                <a:latin typeface="微軟正黑體" panose="020B0604030504040204" pitchFamily="34" charset="-120"/>
+                <a:ea typeface="微軟正黑體" panose="020B0604030504040204" pitchFamily="34" charset="-120"/>
+              </a:rPr>
+              <a:t>Huggingface</a:t>
+            </a:r>
+            <a:r>
+              <a:rPr lang="zh-TW" altLang="en-US" sz="3200" dirty="0">
+                <a:latin typeface="微軟正黑體" panose="020B0604030504040204" pitchFamily="34" charset="-120"/>
+                <a:ea typeface="微軟正黑體" panose="020B0604030504040204" pitchFamily="34" charset="-120"/>
+              </a:rPr>
+              <a:t>上，則包含了網路架構及預訓練出來的參數</a:t>
+            </a:r>
+            <a:endParaRPr lang="en-US" altLang="zh-TW" sz="3200" dirty="0">
+              <a:latin typeface="微軟正黑體" panose="020B0604030504040204" pitchFamily="34" charset="-120"/>
+              <a:ea typeface="微軟正黑體" panose="020B0604030504040204" pitchFamily="34" charset="-120"/>
+            </a:endParaRPr>
+          </a:p>
+          <a:p>
+            <a:pPr marL="514350" indent="-514350">
+              <a:buFont typeface="Arial" panose="020B0604020202020204" pitchFamily="34" charset="0"/>
+              <a:buChar char="•"/>
+            </a:pPr>
+            <a:r>
+              <a:rPr lang="zh-TW" altLang="en-US" sz="3200" dirty="0">
+                <a:latin typeface="微軟正黑體" panose="020B0604030504040204" pitchFamily="34" charset="-120"/>
+                <a:ea typeface="微軟正黑體" panose="020B0604030504040204" pitchFamily="34" charset="-120"/>
+              </a:rPr>
+              <a:t>小型語言模型時代還可以自己預訓練</a:t>
+            </a:r>
+            <a:endParaRPr lang="en-US" altLang="zh-TW" sz="3200" dirty="0">
+              <a:latin typeface="微軟正黑體" panose="020B0604030504040204" pitchFamily="34" charset="-120"/>
+              <a:ea typeface="微軟正黑體" panose="020B0604030504040204" pitchFamily="34" charset="-120"/>
+            </a:endParaRPr>
+          </a:p>
+          <a:p>
+            <a:pPr marL="514350" indent="-514350">
+              <a:buFont typeface="Arial" panose="020B0604020202020204" pitchFamily="34" charset="0"/>
+              <a:buChar char="•"/>
+            </a:pPr>
+            <a:r>
+              <a:rPr lang="en-US" altLang="zh-TW" sz="3200" dirty="0">
+                <a:latin typeface="微軟正黑體" panose="020B0604030504040204" pitchFamily="34" charset="-120"/>
+                <a:ea typeface="微軟正黑體" panose="020B0604030504040204" pitchFamily="34" charset="-120"/>
+              </a:rPr>
+              <a:t>LLM</a:t>
+            </a:r>
+            <a:r>
+              <a:rPr lang="zh-TW" altLang="en-US" sz="3200" dirty="0">
+                <a:latin typeface="微軟正黑體" panose="020B0604030504040204" pitchFamily="34" charset="-120"/>
+                <a:ea typeface="微軟正黑體" panose="020B0604030504040204" pitchFamily="34" charset="-120"/>
+              </a:rPr>
+              <a:t>時代沒有人有能力自己預訓練</a:t>
+            </a:r>
+            <a:endParaRPr lang="en-US" altLang="zh-TW" sz="3200" dirty="0">
+              <a:latin typeface="微軟正黑體" panose="020B0604030504040204" pitchFamily="34" charset="-120"/>
+              <a:ea typeface="微軟正黑體" panose="020B0604030504040204" pitchFamily="34" charset="-120"/>
+            </a:endParaRPr>
+          </a:p>
+          <a:p>
+            <a:pPr marL="514350" indent="-514350">
+              <a:buFont typeface="Arial" panose="020B0604020202020204" pitchFamily="34" charset="0"/>
+              <a:buChar char="•"/>
+            </a:pPr>
+            <a:r>
+              <a:rPr lang="zh-TW" altLang="en-US" sz="3200" dirty="0">
+                <a:latin typeface="微軟正黑體" panose="020B0604030504040204" pitchFamily="34" charset="-120"/>
+                <a:ea typeface="微軟正黑體" panose="020B0604030504040204" pitchFamily="34" charset="-120"/>
+              </a:rPr>
+              <a:t>通常下載別人的網路架構及權重參數進行微調</a:t>
+            </a:r>
+            <a:endParaRPr lang="en-US" altLang="zh-TW" sz="3200" dirty="0">
+              <a:latin typeface="微軟正黑體" panose="020B0604030504040204" pitchFamily="34" charset="-120"/>
+              <a:ea typeface="微軟正黑體" panose="020B0604030504040204" pitchFamily="34" charset="-120"/>
+            </a:endParaRPr>
+          </a:p>
+        </p:txBody>
+      </p:sp>
+      <p:sp>
+        <p:nvSpPr>
+          <p:cNvPr id="4" name="文字版面配置區 2"/>
+          <p:cNvSpPr txBox="1">
+            <a:spLocks/>
+          </p:cNvSpPr>
+          <p:nvPr/>
+        </p:nvSpPr>
+        <p:spPr>
+          <a:xfrm>
+            <a:off x="1295400" y="304800"/>
+            <a:ext cx="6477000" cy="990600"/>
+          </a:xfrm>
+          <a:prstGeom prst="rect">
+            <a:avLst/>
+          </a:prstGeom>
+        </p:spPr>
+        <p:txBody>
+          <a:bodyPr tIns="91440" bIns="91440" anchor="b" anchorCtr="0">
+            <a:noAutofit/>
+          </a:bodyPr>
+          <a:lstStyle/>
+          <a:p>
+            <a:pPr marL="0" marR="0" lvl="0" indent="0" algn="just" defTabSz="914400" rtl="0" eaLnBrk="1" fontAlgn="auto" latinLnBrk="0" hangingPunct="1">
+              <a:lnSpc>
+                <a:spcPct val="100000"/>
+              </a:lnSpc>
+              <a:spcBef>
+                <a:spcPct val="20000"/>
+              </a:spcBef>
+              <a:spcAft>
+                <a:spcPts val="0"/>
+              </a:spcAft>
+              <a:buClrTx/>
+              <a:buSzTx/>
+              <a:buFontTx/>
+              <a:buNone/>
+              <a:tabLst/>
+              <a:defRPr/>
+            </a:pPr>
+            <a:r>
+              <a:rPr kumimoji="0" lang="zh-TW" altLang="en-US" sz="4800" b="1" i="0" u="none" strike="noStrike" kern="0" cap="none" spc="0" normalizeH="0" baseline="0" noProof="0" dirty="0">
+                <a:ln>
+                  <a:noFill/>
+                </a:ln>
+                <a:solidFill>
+                  <a:srgbClr val="00B0F0"/>
+                </a:solidFill>
+                <a:effectLst>
+                  <a:outerShdw blurRad="38100" dist="38100" dir="2700000" algn="tl">
+                    <a:srgbClr val="000000">
+                      <a:alpha val="43137"/>
+                    </a:srgbClr>
+                  </a:outerShdw>
+                </a:effectLst>
+                <a:uLnTx/>
+                <a:uFillTx/>
+                <a:latin typeface="微軟正黑體" panose="020B0604030504040204" pitchFamily="34" charset="-120"/>
+                <a:ea typeface="微軟正黑體" panose="020B0604030504040204" pitchFamily="34" charset="-120"/>
+                <a:cs typeface="+mn-cs"/>
+              </a:rPr>
+              <a:t>模型</a:t>
+            </a:r>
+            <a:r>
+              <a:rPr kumimoji="0" lang="en-US" altLang="zh-TW" sz="4800" b="1" i="0" u="none" strike="noStrike" kern="0" cap="none" spc="0" normalizeH="0" baseline="0" noProof="0" dirty="0">
+                <a:ln>
+                  <a:noFill/>
+                </a:ln>
+                <a:solidFill>
+                  <a:srgbClr val="00B0F0"/>
+                </a:solidFill>
+                <a:effectLst>
+                  <a:outerShdw blurRad="38100" dist="38100" dir="2700000" algn="tl">
+                    <a:srgbClr val="000000">
+                      <a:alpha val="43137"/>
+                    </a:srgbClr>
+                  </a:outerShdw>
+                </a:effectLst>
+                <a:uLnTx/>
+                <a:uFillTx/>
+                <a:latin typeface="微軟正黑體" panose="020B0604030504040204" pitchFamily="34" charset="-120"/>
+                <a:ea typeface="微軟正黑體" panose="020B0604030504040204" pitchFamily="34" charset="-120"/>
+                <a:cs typeface="+mn-cs"/>
+              </a:rPr>
+              <a:t>model</a:t>
+            </a:r>
+            <a:endParaRPr kumimoji="0" lang="zh-TW" altLang="en-US" sz="4800" b="1" i="0" u="none" strike="noStrike" kern="0" cap="none" spc="0" normalizeH="0" baseline="0" noProof="0" dirty="0">
+              <a:ln>
+                <a:noFill/>
+              </a:ln>
+              <a:solidFill>
+                <a:srgbClr val="00B0F0"/>
+              </a:solidFill>
+              <a:effectLst>
+                <a:outerShdw blurRad="38100" dist="38100" dir="2700000" algn="tl">
+                  <a:srgbClr val="000000">
+                    <a:alpha val="43137"/>
+                  </a:srgbClr>
+                </a:outerShdw>
+              </a:effectLst>
+              <a:uLnTx/>
+              <a:uFillTx/>
+              <a:latin typeface="微軟正黑體" panose="020B0604030504040204" pitchFamily="34" charset="-120"/>
+              <a:ea typeface="微軟正黑體" panose="020B0604030504040204" pitchFamily="34" charset="-120"/>
+              <a:cs typeface="+mn-cs"/>
+            </a:endParaRPr>
+          </a:p>
+        </p:txBody>
+      </p:sp>
+    </p:spTree>
+    <p:extLst>
+      <p:ext uri="{BB962C8B-B14F-4D97-AF65-F5344CB8AC3E}">
+        <p14:creationId xmlns:p14="http://schemas.microsoft.com/office/powerpoint/2010/main" val="3699255014"/>
+      </p:ext>
+    </p:extLst>
+  </p:cSld>
+  <p:clrMapOvr>
+    <a:masterClrMapping/>
+  </p:clrMapOvr>
+  <p:transition>
+    <p:fade/>
+  </p:transition>
+</p:sld>
+</file>
+
+<file path=ppt/slides/slide16.xml><?xml version="1.0" encoding="utf-8"?>
+<p:sld xmlns:a="http://schemas.openxmlformats.org/drawingml/2006/main" xmlns:r="http://schemas.openxmlformats.org/officeDocument/2006/relationships" xmlns:p="http://schemas.openxmlformats.org/presentationml/2006/main">
+  <p:cSld>
+    <p:spTree>
+      <p:nvGrpSpPr>
+        <p:cNvPr id="1" name=""/>
+        <p:cNvGrpSpPr/>
+        <p:nvPr/>
+      </p:nvGrpSpPr>
+      <p:grpSpPr>
+        <a:xfrm>
+          <a:off x="0" y="0"/>
+          <a:ext cx="0" cy="0"/>
+          <a:chOff x="0" y="0"/>
+          <a:chExt cx="0" cy="0"/>
+        </a:xfrm>
+      </p:grpSpPr>
+      <p:pic>
+        <p:nvPicPr>
+          <p:cNvPr id="5" name="圖片 4">
+            <a:extLst>
+              <a:ext uri="{FF2B5EF4-FFF2-40B4-BE49-F238E27FC236}">
+                <a16:creationId xmlns:a16="http://schemas.microsoft.com/office/drawing/2014/main" id="{FD265730-4971-38B5-520D-3458A0EC48B6}"/>
+              </a:ext>
+            </a:extLst>
+          </p:cNvPr>
+          <p:cNvPicPr>
+            <a:picLocks noChangeAspect="1"/>
+          </p:cNvPicPr>
+          <p:nvPr/>
+        </p:nvPicPr>
+        <p:blipFill>
+          <a:blip r:embed="rId2"/>
+          <a:stretch>
+            <a:fillRect/>
+          </a:stretch>
+        </p:blipFill>
+        <p:spPr>
+          <a:xfrm>
+            <a:off x="85134" y="1655819"/>
+            <a:ext cx="8973732" cy="3546361"/>
+          </a:xfrm>
+          <a:prstGeom prst="rect">
+            <a:avLst/>
+          </a:prstGeom>
+        </p:spPr>
+      </p:pic>
+    </p:spTree>
+    <p:extLst>
+      <p:ext uri="{BB962C8B-B14F-4D97-AF65-F5344CB8AC3E}">
+        <p14:creationId xmlns:p14="http://schemas.microsoft.com/office/powerpoint/2010/main" val="2509179979"/>
+      </p:ext>
+    </p:extLst>
+  </p:cSld>
+  <p:clrMapOvr>
+    <a:masterClrMapping/>
+  </p:clrMapOvr>
+  <p:transition>
+    <p:fade/>
+  </p:transition>
+</p:sld>
+</file>
+
+<file path=ppt/slides/slide17.xml><?xml version="1.0" encoding="utf-8"?>
+<p:sld xmlns:a="http://schemas.openxmlformats.org/drawingml/2006/main" xmlns:r="http://schemas.openxmlformats.org/officeDocument/2006/relationships" xmlns:p="http://schemas.openxmlformats.org/presentationml/2006/main">
+  <p:cSld>
+    <p:spTree>
+      <p:nvGrpSpPr>
+        <p:cNvPr id="1" name=""/>
+        <p:cNvGrpSpPr/>
+        <p:nvPr/>
+      </p:nvGrpSpPr>
+      <p:grpSpPr>
+        <a:xfrm>
+          <a:off x="0" y="0"/>
+          <a:ext cx="0" cy="0"/>
+          <a:chOff x="0" y="0"/>
+          <a:chExt cx="0" cy="0"/>
+        </a:xfrm>
+      </p:grpSpPr>
+      <p:sp>
+        <p:nvSpPr>
+          <p:cNvPr id="5" name="文字方塊 4"/>
+          <p:cNvSpPr txBox="1"/>
+          <p:nvPr/>
+        </p:nvSpPr>
+        <p:spPr>
+          <a:xfrm>
+            <a:off x="685800" y="1828800"/>
             <a:ext cx="8077200" cy="2062103"/>
           </a:xfrm>
           <a:prstGeom prst="rect">
@@ -13289,7 +14882,7 @@
 </p:sld>
 </file>
 
-<file path=ppt/slides/slide11.xml><?xml version="1.0" encoding="utf-8"?>
+<file path=ppt/slides/slide18.xml><?xml version="1.0" encoding="utf-8"?>
 <p:sld xmlns:a="http://schemas.openxmlformats.org/drawingml/2006/main" xmlns:r="http://schemas.openxmlformats.org/officeDocument/2006/relationships" xmlns:p="http://schemas.openxmlformats.org/presentationml/2006/main">
   <p:cSld>
     <p:spTree>
@@ -13487,7 +15080,7 @@
 </p:sld>
 </file>
 
-<file path=ppt/slides/slide12.xml><?xml version="1.0" encoding="utf-8"?>
+<file path=ppt/slides/slide19.xml><?xml version="1.0" encoding="utf-8"?>
 <p:sld xmlns:a="http://schemas.openxmlformats.org/drawingml/2006/main" xmlns:r="http://schemas.openxmlformats.org/officeDocument/2006/relationships" xmlns:p="http://schemas.openxmlformats.org/presentationml/2006/main">
   <p:cSld>
     <p:spTree>
@@ -13706,7 +15299,273 @@
 </p:sld>
 </file>
 
-<file path=ppt/slides/slide13.xml><?xml version="1.0" encoding="utf-8"?>
+<file path=ppt/slides/slide2.xml><?xml version="1.0" encoding="utf-8"?>
+<p:sld xmlns:a="http://schemas.openxmlformats.org/drawingml/2006/main" xmlns:r="http://schemas.openxmlformats.org/officeDocument/2006/relationships" xmlns:p="http://schemas.openxmlformats.org/presentationml/2006/main">
+  <p:cSld>
+    <p:spTree>
+      <p:nvGrpSpPr>
+        <p:cNvPr id="1" name=""/>
+        <p:cNvGrpSpPr/>
+        <p:nvPr/>
+      </p:nvGrpSpPr>
+      <p:grpSpPr>
+        <a:xfrm>
+          <a:off x="0" y="0"/>
+          <a:ext cx="0" cy="0"/>
+          <a:chOff x="0" y="0"/>
+          <a:chExt cx="0" cy="0"/>
+        </a:xfrm>
+      </p:grpSpPr>
+      <p:sp>
+        <p:nvSpPr>
+          <p:cNvPr id="5" name="文字方塊 4"/>
+          <p:cNvSpPr txBox="1"/>
+          <p:nvPr/>
+        </p:nvSpPr>
+        <p:spPr>
+          <a:xfrm>
+            <a:off x="685800" y="1828800"/>
+            <a:ext cx="8077200" cy="3539430"/>
+          </a:xfrm>
+          <a:prstGeom prst="rect">
+            <a:avLst/>
+          </a:prstGeom>
+          <a:noFill/>
+        </p:spPr>
+        <p:txBody>
+          <a:bodyPr wrap="square" rtlCol="0">
+            <a:spAutoFit/>
+          </a:bodyPr>
+          <a:lstStyle/>
+          <a:p>
+            <a:pPr marL="514350" indent="-514350">
+              <a:buFont typeface="Arial" panose="020B0604020202020204" pitchFamily="34" charset="0"/>
+              <a:buChar char="•"/>
+            </a:pPr>
+            <a:r>
+              <a:rPr lang="en-US" altLang="zh-TW" sz="3200" dirty="0">
+                <a:latin typeface="微軟正黑體" panose="020B0604030504040204" pitchFamily="34" charset="-120"/>
+                <a:ea typeface="微軟正黑體" panose="020B0604030504040204" pitchFamily="34" charset="-120"/>
+              </a:rPr>
+              <a:t>end-to-end pipeline</a:t>
+            </a:r>
+          </a:p>
+          <a:p>
+            <a:pPr marL="514350" indent="-514350">
+              <a:buFont typeface="Arial" panose="020B0604020202020204" pitchFamily="34" charset="0"/>
+              <a:buChar char="•"/>
+            </a:pPr>
+            <a:r>
+              <a:rPr lang="zh-TW" altLang="en-US" sz="3200" dirty="0">
+                <a:latin typeface="微軟正黑體" panose="020B0604030504040204" pitchFamily="34" charset="-120"/>
+                <a:ea typeface="微軟正黑體" panose="020B0604030504040204" pitchFamily="34" charset="-120"/>
+              </a:rPr>
+              <a:t>資料集</a:t>
+            </a:r>
+            <a:r>
+              <a:rPr lang="en-US" altLang="zh-TW" sz="3200" dirty="0">
+                <a:latin typeface="微軟正黑體" panose="020B0604030504040204" pitchFamily="34" charset="-120"/>
+                <a:ea typeface="微軟正黑體" panose="020B0604030504040204" pitchFamily="34" charset="-120"/>
+              </a:rPr>
+              <a:t>dataset</a:t>
+            </a:r>
+          </a:p>
+          <a:p>
+            <a:pPr marL="514350" indent="-514350">
+              <a:buFont typeface="Arial" panose="020B0604020202020204" pitchFamily="34" charset="0"/>
+              <a:buChar char="•"/>
+            </a:pPr>
+            <a:r>
+              <a:rPr lang="zh-TW" altLang="en-US" sz="3200" dirty="0">
+                <a:latin typeface="微軟正黑體" panose="020B0604030504040204" pitchFamily="34" charset="-120"/>
+                <a:ea typeface="微軟正黑體" panose="020B0604030504040204" pitchFamily="34" charset="-120"/>
+              </a:rPr>
+              <a:t>分詞預處理</a:t>
+            </a:r>
+            <a:endParaRPr lang="en-US" altLang="zh-TW" sz="3200" dirty="0">
+              <a:latin typeface="微軟正黑體" panose="020B0604030504040204" pitchFamily="34" charset="-120"/>
+              <a:ea typeface="微軟正黑體" panose="020B0604030504040204" pitchFamily="34" charset="-120"/>
+            </a:endParaRPr>
+          </a:p>
+          <a:p>
+            <a:pPr marL="514350" indent="-514350">
+              <a:buFont typeface="Arial" panose="020B0604020202020204" pitchFamily="34" charset="0"/>
+              <a:buChar char="•"/>
+            </a:pPr>
+            <a:r>
+              <a:rPr lang="zh-TW" altLang="en-US" sz="3200" dirty="0">
+                <a:latin typeface="微軟正黑體" panose="020B0604030504040204" pitchFamily="34" charset="-120"/>
+                <a:ea typeface="微軟正黑體" panose="020B0604030504040204" pitchFamily="34" charset="-120"/>
+              </a:rPr>
+              <a:t>模型</a:t>
+            </a:r>
+            <a:r>
+              <a:rPr lang="en-US" altLang="zh-TW" sz="3200" dirty="0">
+                <a:latin typeface="微軟正黑體" panose="020B0604030504040204" pitchFamily="34" charset="-120"/>
+                <a:ea typeface="微軟正黑體" panose="020B0604030504040204" pitchFamily="34" charset="-120"/>
+              </a:rPr>
+              <a:t>model</a:t>
+            </a:r>
+          </a:p>
+          <a:p>
+            <a:pPr marL="514350" indent="-514350">
+              <a:buFont typeface="Arial" panose="020B0604020202020204" pitchFamily="34" charset="0"/>
+              <a:buChar char="•"/>
+            </a:pPr>
+            <a:r>
+              <a:rPr lang="zh-TW" altLang="en-US" sz="3200" dirty="0">
+                <a:latin typeface="微軟正黑體" panose="020B0604030504040204" pitchFamily="34" charset="-120"/>
+                <a:ea typeface="微軟正黑體" panose="020B0604030504040204" pitchFamily="34" charset="-120"/>
+              </a:rPr>
+              <a:t>高維向量</a:t>
+            </a:r>
+            <a:endParaRPr lang="en-US" altLang="zh-TW" sz="3200" dirty="0">
+              <a:latin typeface="微軟正黑體" panose="020B0604030504040204" pitchFamily="34" charset="-120"/>
+              <a:ea typeface="微軟正黑體" panose="020B0604030504040204" pitchFamily="34" charset="-120"/>
+            </a:endParaRPr>
+          </a:p>
+          <a:p>
+            <a:pPr marL="514350" indent="-514350">
+              <a:buFont typeface="Arial" panose="020B0604020202020204" pitchFamily="34" charset="0"/>
+              <a:buChar char="•"/>
+            </a:pPr>
+            <a:r>
+              <a:rPr lang="zh-TW" altLang="en-US" sz="3200" dirty="0">
+                <a:latin typeface="微軟正黑體" panose="020B0604030504040204" pitchFamily="34" charset="-120"/>
+                <a:ea typeface="微軟正黑體" panose="020B0604030504040204" pitchFamily="34" charset="-120"/>
+              </a:rPr>
+              <a:t>模型頭</a:t>
+            </a:r>
+            <a:endParaRPr lang="en-US" altLang="zh-TW" sz="3200" dirty="0">
+              <a:latin typeface="微軟正黑體" panose="020B0604030504040204" pitchFamily="34" charset="-120"/>
+              <a:ea typeface="微軟正黑體" panose="020B0604030504040204" pitchFamily="34" charset="-120"/>
+            </a:endParaRPr>
+          </a:p>
+          <a:p>
+            <a:pPr marL="514350" indent="-514350">
+              <a:buFont typeface="Arial" panose="020B0604020202020204" pitchFamily="34" charset="0"/>
+              <a:buChar char="•"/>
+            </a:pPr>
+            <a:r>
+              <a:rPr lang="zh-TW" altLang="en-US" sz="3200" dirty="0">
+                <a:latin typeface="微軟正黑體" panose="020B0604030504040204" pitchFamily="34" charset="-120"/>
+                <a:ea typeface="微軟正黑體" panose="020B0604030504040204" pitchFamily="34" charset="-120"/>
+              </a:rPr>
+              <a:t>模型頭之後的處理</a:t>
+            </a:r>
+            <a:endParaRPr lang="en-US" altLang="zh-TW" sz="3200" dirty="0">
+              <a:latin typeface="微軟正黑體" panose="020B0604030504040204" pitchFamily="34" charset="-120"/>
+              <a:ea typeface="微軟正黑體" panose="020B0604030504040204" pitchFamily="34" charset="-120"/>
+            </a:endParaRPr>
+          </a:p>
+        </p:txBody>
+      </p:sp>
+      <p:sp>
+        <p:nvSpPr>
+          <p:cNvPr id="4" name="文字版面配置區 2"/>
+          <p:cNvSpPr txBox="1">
+            <a:spLocks/>
+          </p:cNvSpPr>
+          <p:nvPr/>
+        </p:nvSpPr>
+        <p:spPr>
+          <a:xfrm>
+            <a:off x="1295400" y="304800"/>
+            <a:ext cx="6477000" cy="990600"/>
+          </a:xfrm>
+          <a:prstGeom prst="rect">
+            <a:avLst/>
+          </a:prstGeom>
+        </p:spPr>
+        <p:txBody>
+          <a:bodyPr tIns="91440" bIns="91440" anchor="b" anchorCtr="0">
+            <a:noAutofit/>
+          </a:bodyPr>
+          <a:lstStyle/>
+          <a:p>
+            <a:pPr marL="0" marR="0" lvl="0" indent="0" algn="just" defTabSz="914400" rtl="0" eaLnBrk="1" fontAlgn="auto" latinLnBrk="0" hangingPunct="1">
+              <a:lnSpc>
+                <a:spcPct val="100000"/>
+              </a:lnSpc>
+              <a:spcBef>
+                <a:spcPct val="20000"/>
+              </a:spcBef>
+              <a:spcAft>
+                <a:spcPts val="0"/>
+              </a:spcAft>
+              <a:buClrTx/>
+              <a:buSzTx/>
+              <a:buFontTx/>
+              <a:buNone/>
+              <a:tabLst/>
+              <a:defRPr/>
+            </a:pPr>
+            <a:r>
+              <a:rPr kumimoji="0" lang="en-US" altLang="zh-TW" sz="4800" b="1" i="0" u="none" strike="noStrike" kern="0" cap="none" spc="0" normalizeH="0" baseline="0" noProof="0" dirty="0">
+                <a:ln>
+                  <a:noFill/>
+                </a:ln>
+                <a:solidFill>
+                  <a:srgbClr val="00B0F0"/>
+                </a:solidFill>
+                <a:effectLst>
+                  <a:outerShdw blurRad="38100" dist="38100" dir="2700000" algn="tl">
+                    <a:srgbClr val="000000">
+                      <a:alpha val="43137"/>
+                    </a:srgbClr>
+                  </a:outerShdw>
+                </a:effectLst>
+                <a:uLnTx/>
+                <a:uFillTx/>
+                <a:latin typeface="微軟正黑體" panose="020B0604030504040204" pitchFamily="34" charset="-120"/>
+                <a:ea typeface="微軟正黑體" panose="020B0604030504040204" pitchFamily="34" charset="-120"/>
+                <a:cs typeface="+mn-cs"/>
+              </a:rPr>
+              <a:t>7. NLP</a:t>
+            </a:r>
+            <a:r>
+              <a:rPr kumimoji="0" lang="zh-TW" altLang="en-US" sz="4800" b="1" i="0" u="none" strike="noStrike" kern="0" cap="none" spc="0" normalizeH="0" baseline="0" noProof="0" dirty="0">
+                <a:ln>
+                  <a:noFill/>
+                </a:ln>
+                <a:solidFill>
+                  <a:srgbClr val="00B0F0"/>
+                </a:solidFill>
+                <a:effectLst>
+                  <a:outerShdw blurRad="38100" dist="38100" dir="2700000" algn="tl">
+                    <a:srgbClr val="000000">
+                      <a:alpha val="43137"/>
+                    </a:srgbClr>
+                  </a:outerShdw>
+                </a:effectLst>
+                <a:uLnTx/>
+                <a:uFillTx/>
+                <a:latin typeface="微軟正黑體" panose="020B0604030504040204" pitchFamily="34" charset="-120"/>
+                <a:ea typeface="微軟正黑體" panose="020B0604030504040204" pitchFamily="34" charset="-120"/>
+                <a:cs typeface="+mn-cs"/>
+              </a:rPr>
+              <a:t>任務的內部結構</a:t>
+            </a:r>
+          </a:p>
+        </p:txBody>
+      </p:sp>
+    </p:spTree>
+    <p:extLst>
+      <p:ext uri="{BB962C8B-B14F-4D97-AF65-F5344CB8AC3E}">
+        <p14:creationId xmlns:p14="http://schemas.microsoft.com/office/powerpoint/2010/main" val="1420312926"/>
+      </p:ext>
+    </p:extLst>
+  </p:cSld>
+  <p:clrMapOvr>
+    <a:masterClrMapping/>
+  </p:clrMapOvr>
+  <p:transition>
+    <p:fade/>
+  </p:transition>
+</p:sld>
+</file>
+
+<file path=ppt/slides/slide20.xml><?xml version="1.0" encoding="utf-8"?>
 <p:sld xmlns:a="http://schemas.openxmlformats.org/drawingml/2006/main" xmlns:r="http://schemas.openxmlformats.org/officeDocument/2006/relationships" xmlns:p="http://schemas.openxmlformats.org/presentationml/2006/main">
   <p:cSld>
     <p:spTree>
@@ -13984,7 +15843,7 @@
 </p:sld>
 </file>
 
-<file path=ppt/slides/slide14.xml><?xml version="1.0" encoding="utf-8"?>
+<file path=ppt/slides/slide21.xml><?xml version="1.0" encoding="utf-8"?>
 <p:sld xmlns:a="http://schemas.openxmlformats.org/drawingml/2006/main" xmlns:r="http://schemas.openxmlformats.org/officeDocument/2006/relationships" xmlns:p="http://schemas.openxmlformats.org/presentationml/2006/main">
   <p:cSld>
     <p:spTree>
@@ -14199,7 +16058,7 @@
 </p:sld>
 </file>
 
-<file path=ppt/slides/slide15.xml><?xml version="1.0" encoding="utf-8"?>
+<file path=ppt/slides/slide22.xml><?xml version="1.0" encoding="utf-8"?>
 <p:sld xmlns:a="http://schemas.openxmlformats.org/drawingml/2006/main" xmlns:r="http://schemas.openxmlformats.org/officeDocument/2006/relationships" xmlns:p="http://schemas.openxmlformats.org/presentationml/2006/main">
   <p:cSld>
     <p:spTree>
@@ -14262,7 +16121,7 @@
 </p:sld>
 </file>
 
-<file path=ppt/slides/slide16.xml><?xml version="1.0" encoding="utf-8"?>
+<file path=ppt/slides/slide23.xml><?xml version="1.0" encoding="utf-8"?>
 <p:sld xmlns:a="http://schemas.openxmlformats.org/drawingml/2006/main" xmlns:r="http://schemas.openxmlformats.org/officeDocument/2006/relationships" xmlns:p="http://schemas.openxmlformats.org/presentationml/2006/main">
   <p:cSld>
     <p:spTree>
@@ -14325,7 +16184,7 @@
 </p:sld>
 </file>
 
-<file path=ppt/slides/slide17.xml><?xml version="1.0" encoding="utf-8"?>
+<file path=ppt/slides/slide24.xml><?xml version="1.0" encoding="utf-8"?>
 <p:sld xmlns:a="http://schemas.openxmlformats.org/drawingml/2006/main" xmlns:r="http://schemas.openxmlformats.org/officeDocument/2006/relationships" xmlns:p="http://schemas.openxmlformats.org/presentationml/2006/main">
   <p:cSld>
     <p:spTree>
@@ -14388,7 +16247,7 @@
 </p:sld>
 </file>
 
-<file path=ppt/slides/slide18.xml><?xml version="1.0" encoding="utf-8"?>
+<file path=ppt/slides/slide25.xml><?xml version="1.0" encoding="utf-8"?>
 <p:sld xmlns:a="http://schemas.openxmlformats.org/drawingml/2006/main" xmlns:r="http://schemas.openxmlformats.org/officeDocument/2006/relationships" xmlns:p="http://schemas.openxmlformats.org/presentationml/2006/main">
   <p:cSld>
     <p:spTree>
@@ -14451,7 +16310,7 @@
 </p:sld>
 </file>
 
-<file path=ppt/slides/slide19.xml><?xml version="1.0" encoding="utf-8"?>
+<file path=ppt/slides/slide26.xml><?xml version="1.0" encoding="utf-8"?>
 <p:sld xmlns:a="http://schemas.openxmlformats.org/drawingml/2006/main" xmlns:r="http://schemas.openxmlformats.org/officeDocument/2006/relationships" xmlns:p="http://schemas.openxmlformats.org/presentationml/2006/main">
   <p:cSld>
     <p:spTree>
@@ -14514,250 +16373,7 @@
 </p:sld>
 </file>
 
-<file path=ppt/slides/slide2.xml><?xml version="1.0" encoding="utf-8"?>
-<p:sld xmlns:a="http://schemas.openxmlformats.org/drawingml/2006/main" xmlns:r="http://schemas.openxmlformats.org/officeDocument/2006/relationships" xmlns:p="http://schemas.openxmlformats.org/presentationml/2006/main">
-  <p:cSld>
-    <p:spTree>
-      <p:nvGrpSpPr>
-        <p:cNvPr id="1" name=""/>
-        <p:cNvGrpSpPr/>
-        <p:nvPr/>
-      </p:nvGrpSpPr>
-      <p:grpSpPr>
-        <a:xfrm>
-          <a:off x="0" y="0"/>
-          <a:ext cx="0" cy="0"/>
-          <a:chOff x="0" y="0"/>
-          <a:chExt cx="0" cy="0"/>
-        </a:xfrm>
-      </p:grpSpPr>
-      <p:sp>
-        <p:nvSpPr>
-          <p:cNvPr id="5" name="文字方塊 4"/>
-          <p:cNvSpPr txBox="1"/>
-          <p:nvPr/>
-        </p:nvSpPr>
-        <p:spPr>
-          <a:xfrm>
-            <a:off x="685800" y="1828800"/>
-            <a:ext cx="8077200" cy="3046988"/>
-          </a:xfrm>
-          <a:prstGeom prst="rect">
-            <a:avLst/>
-          </a:prstGeom>
-          <a:noFill/>
-        </p:spPr>
-        <p:txBody>
-          <a:bodyPr wrap="square" rtlCol="0">
-            <a:spAutoFit/>
-          </a:bodyPr>
-          <a:lstStyle/>
-          <a:p>
-            <a:pPr marL="514350" indent="-514350">
-              <a:buFont typeface="Arial" panose="020B0604020202020204" pitchFamily="34" charset="0"/>
-              <a:buChar char="•"/>
-            </a:pPr>
-            <a:r>
-              <a:rPr lang="en-US" altLang="zh-TW" sz="3200" dirty="0">
-                <a:latin typeface="微軟正黑體" panose="020B0604030504040204" pitchFamily="34" charset="-120"/>
-                <a:ea typeface="微軟正黑體" panose="020B0604030504040204" pitchFamily="34" charset="-120"/>
-              </a:rPr>
-              <a:t>end-to-end pipeline</a:t>
-            </a:r>
-          </a:p>
-          <a:p>
-            <a:pPr marL="514350" indent="-514350">
-              <a:buFont typeface="Arial" panose="020B0604020202020204" pitchFamily="34" charset="0"/>
-              <a:buChar char="•"/>
-            </a:pPr>
-            <a:r>
-              <a:rPr lang="zh-TW" altLang="en-US" sz="3200" dirty="0">
-                <a:latin typeface="微軟正黑體" panose="020B0604030504040204" pitchFamily="34" charset="-120"/>
-                <a:ea typeface="微軟正黑體" panose="020B0604030504040204" pitchFamily="34" charset="-120"/>
-              </a:rPr>
-              <a:t>分詞預處理</a:t>
-            </a:r>
-            <a:endParaRPr lang="en-US" altLang="zh-TW" sz="3200" dirty="0">
-              <a:latin typeface="微軟正黑體" panose="020B0604030504040204" pitchFamily="34" charset="-120"/>
-              <a:ea typeface="微軟正黑體" panose="020B0604030504040204" pitchFamily="34" charset="-120"/>
-            </a:endParaRPr>
-          </a:p>
-          <a:p>
-            <a:pPr marL="514350" indent="-514350">
-              <a:buFont typeface="Arial" panose="020B0604020202020204" pitchFamily="34" charset="0"/>
-              <a:buChar char="•"/>
-            </a:pPr>
-            <a:r>
-              <a:rPr lang="zh-TW" altLang="en-US" sz="3200" dirty="0">
-                <a:latin typeface="微軟正黑體" panose="020B0604030504040204" pitchFamily="34" charset="-120"/>
-                <a:ea typeface="微軟正黑體" panose="020B0604030504040204" pitchFamily="34" charset="-120"/>
-              </a:rPr>
-              <a:t>下載模型</a:t>
-            </a:r>
-            <a:endParaRPr lang="en-US" altLang="zh-TW" sz="3200" dirty="0">
-              <a:latin typeface="微軟正黑體" panose="020B0604030504040204" pitchFamily="34" charset="-120"/>
-              <a:ea typeface="微軟正黑體" panose="020B0604030504040204" pitchFamily="34" charset="-120"/>
-            </a:endParaRPr>
-          </a:p>
-          <a:p>
-            <a:pPr marL="514350" indent="-514350">
-              <a:buFont typeface="Arial" panose="020B0604020202020204" pitchFamily="34" charset="0"/>
-              <a:buChar char="•"/>
-            </a:pPr>
-            <a:r>
-              <a:rPr lang="zh-TW" altLang="en-US" sz="3200" dirty="0">
-                <a:latin typeface="微軟正黑體" panose="020B0604030504040204" pitchFamily="34" charset="-120"/>
-                <a:ea typeface="微軟正黑體" panose="020B0604030504040204" pitchFamily="34" charset="-120"/>
-              </a:rPr>
-              <a:t>高維向量</a:t>
-            </a:r>
-            <a:endParaRPr lang="en-US" altLang="zh-TW" sz="3200" dirty="0">
-              <a:latin typeface="微軟正黑體" panose="020B0604030504040204" pitchFamily="34" charset="-120"/>
-              <a:ea typeface="微軟正黑體" panose="020B0604030504040204" pitchFamily="34" charset="-120"/>
-            </a:endParaRPr>
-          </a:p>
-          <a:p>
-            <a:pPr marL="514350" indent="-514350">
-              <a:buFont typeface="Arial" panose="020B0604020202020204" pitchFamily="34" charset="0"/>
-              <a:buChar char="•"/>
-            </a:pPr>
-            <a:r>
-              <a:rPr lang="zh-TW" altLang="en-US" sz="3200" dirty="0">
-                <a:latin typeface="微軟正黑體" panose="020B0604030504040204" pitchFamily="34" charset="-120"/>
-                <a:ea typeface="微軟正黑體" panose="020B0604030504040204" pitchFamily="34" charset="-120"/>
-              </a:rPr>
-              <a:t>模型頭</a:t>
-            </a:r>
-            <a:endParaRPr lang="en-US" altLang="zh-TW" sz="3200" dirty="0">
-              <a:latin typeface="微軟正黑體" panose="020B0604030504040204" pitchFamily="34" charset="-120"/>
-              <a:ea typeface="微軟正黑體" panose="020B0604030504040204" pitchFamily="34" charset="-120"/>
-            </a:endParaRPr>
-          </a:p>
-          <a:p>
-            <a:pPr marL="514350" indent="-514350">
-              <a:buFont typeface="Arial" panose="020B0604020202020204" pitchFamily="34" charset="0"/>
-              <a:buChar char="•"/>
-            </a:pPr>
-            <a:r>
-              <a:rPr lang="zh-TW" altLang="en-US" sz="3200" dirty="0">
-                <a:latin typeface="微軟正黑體" panose="020B0604030504040204" pitchFamily="34" charset="-120"/>
-                <a:ea typeface="微軟正黑體" panose="020B0604030504040204" pitchFamily="34" charset="-120"/>
-              </a:rPr>
-              <a:t>模型頭之後的處理</a:t>
-            </a:r>
-            <a:endParaRPr lang="en-US" altLang="zh-TW" sz="3200" dirty="0">
-              <a:latin typeface="微軟正黑體" panose="020B0604030504040204" pitchFamily="34" charset="-120"/>
-              <a:ea typeface="微軟正黑體" panose="020B0604030504040204" pitchFamily="34" charset="-120"/>
-            </a:endParaRPr>
-          </a:p>
-        </p:txBody>
-      </p:sp>
-      <p:sp>
-        <p:nvSpPr>
-          <p:cNvPr id="4" name="文字版面配置區 2"/>
-          <p:cNvSpPr txBox="1">
-            <a:spLocks/>
-          </p:cNvSpPr>
-          <p:nvPr/>
-        </p:nvSpPr>
-        <p:spPr>
-          <a:xfrm>
-            <a:off x="1295400" y="304800"/>
-            <a:ext cx="6477000" cy="990600"/>
-          </a:xfrm>
-          <a:prstGeom prst="rect">
-            <a:avLst/>
-          </a:prstGeom>
-        </p:spPr>
-        <p:txBody>
-          <a:bodyPr tIns="91440" bIns="91440" anchor="b" anchorCtr="0">
-            <a:noAutofit/>
-          </a:bodyPr>
-          <a:lstStyle/>
-          <a:p>
-            <a:pPr marL="0" marR="0" lvl="0" indent="0" algn="just" defTabSz="914400" rtl="0" eaLnBrk="1" fontAlgn="auto" latinLnBrk="0" hangingPunct="1">
-              <a:lnSpc>
-                <a:spcPct val="100000"/>
-              </a:lnSpc>
-              <a:spcBef>
-                <a:spcPct val="20000"/>
-              </a:spcBef>
-              <a:spcAft>
-                <a:spcPts val="0"/>
-              </a:spcAft>
-              <a:buClrTx/>
-              <a:buSzTx/>
-              <a:buFontTx/>
-              <a:buNone/>
-              <a:tabLst/>
-              <a:defRPr/>
-            </a:pPr>
-            <a:r>
-              <a:rPr kumimoji="0" lang="en-US" altLang="zh-TW" sz="4800" b="1" i="0" u="none" strike="noStrike" kern="0" cap="none" spc="0" normalizeH="0" baseline="0" noProof="0" dirty="0">
-                <a:ln>
-                  <a:noFill/>
-                </a:ln>
-                <a:solidFill>
-                  <a:srgbClr val="00B0F0"/>
-                </a:solidFill>
-                <a:effectLst>
-                  <a:outerShdw blurRad="38100" dist="38100" dir="2700000" algn="tl">
-                    <a:srgbClr val="000000">
-                      <a:alpha val="43137"/>
-                    </a:srgbClr>
-                  </a:outerShdw>
-                </a:effectLst>
-                <a:uLnTx/>
-                <a:uFillTx/>
-                <a:latin typeface="微軟正黑體" panose="020B0604030504040204" pitchFamily="34" charset="-120"/>
-                <a:ea typeface="微軟正黑體" panose="020B0604030504040204" pitchFamily="34" charset="-120"/>
-                <a:cs typeface="+mn-cs"/>
-              </a:rPr>
-              <a:t>7. NLP</a:t>
-            </a:r>
-            <a:r>
-              <a:rPr kumimoji="0" lang="zh-TW" altLang="en-US" sz="4800" b="1" i="0" u="none" strike="noStrike" kern="0" cap="none" spc="0" normalizeH="0" baseline="0" noProof="0" dirty="0">
-                <a:ln>
-                  <a:noFill/>
-                </a:ln>
-                <a:solidFill>
-                  <a:srgbClr val="00B0F0"/>
-                </a:solidFill>
-                <a:effectLst>
-                  <a:outerShdw blurRad="38100" dist="38100" dir="2700000" algn="tl">
-                    <a:srgbClr val="000000">
-                      <a:alpha val="43137"/>
-                    </a:srgbClr>
-                  </a:outerShdw>
-                </a:effectLst>
-                <a:uLnTx/>
-                <a:uFillTx/>
-                <a:latin typeface="微軟正黑體" panose="020B0604030504040204" pitchFamily="34" charset="-120"/>
-                <a:ea typeface="微軟正黑體" panose="020B0604030504040204" pitchFamily="34" charset="-120"/>
-                <a:cs typeface="+mn-cs"/>
-              </a:rPr>
-              <a:t>任務的內部結構</a:t>
-            </a:r>
-          </a:p>
-        </p:txBody>
-      </p:sp>
-    </p:spTree>
-    <p:extLst>
-      <p:ext uri="{BB962C8B-B14F-4D97-AF65-F5344CB8AC3E}">
-        <p14:creationId xmlns:p14="http://schemas.microsoft.com/office/powerpoint/2010/main" val="1420312926"/>
-      </p:ext>
-    </p:extLst>
-  </p:cSld>
-  <p:clrMapOvr>
-    <a:masterClrMapping/>
-  </p:clrMapOvr>
-  <p:transition>
-    <p:fade/>
-  </p:transition>
-</p:sld>
-</file>
-
-<file path=ppt/slides/slide20.xml><?xml version="1.0" encoding="utf-8"?>
+<file path=ppt/slides/slide27.xml><?xml version="1.0" encoding="utf-8"?>
 <p:sld xmlns:a="http://schemas.openxmlformats.org/drawingml/2006/main" xmlns:r="http://schemas.openxmlformats.org/officeDocument/2006/relationships" xmlns:p="http://schemas.openxmlformats.org/presentationml/2006/main">
   <p:cSld>
     <p:spTree>
@@ -14820,7 +16436,7 @@
 </p:sld>
 </file>
 
-<file path=ppt/slides/slide21.xml><?xml version="1.0" encoding="utf-8"?>
+<file path=ppt/slides/slide28.xml><?xml version="1.0" encoding="utf-8"?>
 <p:sld xmlns:a="http://schemas.openxmlformats.org/drawingml/2006/main" xmlns:r="http://schemas.openxmlformats.org/officeDocument/2006/relationships" xmlns:p="http://schemas.openxmlformats.org/presentationml/2006/main">
   <p:cSld>
     <p:spTree>
@@ -15131,7 +16747,7 @@
         <p:spPr>
           <a:xfrm>
             <a:off x="685800" y="1828800"/>
-            <a:ext cx="8077200" cy="4524315"/>
+            <a:ext cx="8077200" cy="2554545"/>
           </a:xfrm>
           <a:prstGeom prst="rect">
             <a:avLst/>
@@ -15149,26 +16765,16 @@
               <a:buChar char="•"/>
             </a:pPr>
             <a:r>
-              <a:rPr lang="en-US" altLang="zh-TW" sz="3200" dirty="0">
-                <a:latin typeface="微軟正黑體" panose="020B0604030504040204" pitchFamily="34" charset="-120"/>
-                <a:ea typeface="微軟正黑體" panose="020B0604030504040204" pitchFamily="34" charset="-120"/>
-              </a:rPr>
-              <a:t>Transformer </a:t>
-            </a:r>
-            <a:r>
               <a:rPr lang="zh-TW" altLang="en-US" sz="3200" dirty="0">
                 <a:latin typeface="微軟正黑體" panose="020B0604030504040204" pitchFamily="34" charset="-120"/>
                 <a:ea typeface="微軟正黑體" panose="020B0604030504040204" pitchFamily="34" charset="-120"/>
               </a:rPr>
-              <a:t>模型無法處理文字，第一步是將文字輸入轉換為模型理解的數字，使用</a:t>
-            </a:r>
-            <a:r>
-              <a:rPr lang="en-US" altLang="zh-TW" sz="3200" dirty="0">
-                <a:latin typeface="微軟正黑體" panose="020B0604030504040204" pitchFamily="34" charset="-120"/>
-                <a:ea typeface="微軟正黑體" panose="020B0604030504040204" pitchFamily="34" charset="-120"/>
-              </a:rPr>
-              <a:t>tokenizer</a:t>
-            </a:r>
+              <a:t>訓練或微調用的文字資料</a:t>
+            </a:r>
+            <a:endParaRPr lang="en-US" altLang="zh-TW" sz="3200" dirty="0">
+              <a:latin typeface="微軟正黑體" panose="020B0604030504040204" pitchFamily="34" charset="-120"/>
+              <a:ea typeface="微軟正黑體" panose="020B0604030504040204" pitchFamily="34" charset="-120"/>
+            </a:endParaRPr>
           </a:p>
           <a:p>
             <a:pPr marL="514350" indent="-514350">
@@ -15180,15 +16786,54 @@
                 <a:latin typeface="微軟正黑體" panose="020B0604030504040204" pitchFamily="34" charset="-120"/>
                 <a:ea typeface="微軟正黑體" panose="020B0604030504040204" pitchFamily="34" charset="-120"/>
               </a:rPr>
-              <a:t>將輸入拆分為單詞、子單詞或符號（如標點符號），稱為標記</a:t>
+              <a:t>通常使用</a:t>
             </a:r>
             <a:r>
               <a:rPr lang="en-US" altLang="zh-TW" sz="3200" dirty="0">
                 <a:latin typeface="微軟正黑體" panose="020B0604030504040204" pitchFamily="34" charset="-120"/>
                 <a:ea typeface="微軟正黑體" panose="020B0604030504040204" pitchFamily="34" charset="-120"/>
               </a:rPr>
-              <a:t>(token)</a:t>
-            </a:r>
+              <a:t>CSV</a:t>
+            </a:r>
+            <a:r>
+              <a:rPr lang="zh-TW" altLang="en-US" sz="3200" dirty="0">
+                <a:latin typeface="微軟正黑體" panose="020B0604030504040204" pitchFamily="34" charset="-120"/>
+                <a:ea typeface="微軟正黑體" panose="020B0604030504040204" pitchFamily="34" charset="-120"/>
+              </a:rPr>
+              <a:t>或</a:t>
+            </a:r>
+            <a:r>
+              <a:rPr lang="en-US" altLang="zh-TW" sz="3200" dirty="0">
+                <a:latin typeface="微軟正黑體" panose="020B0604030504040204" pitchFamily="34" charset="-120"/>
+                <a:ea typeface="微軟正黑體" panose="020B0604030504040204" pitchFamily="34" charset="-120"/>
+              </a:rPr>
+              <a:t>JSON</a:t>
+            </a:r>
+            <a:r>
+              <a:rPr lang="zh-TW" altLang="en-US" sz="3200" dirty="0">
+                <a:latin typeface="微軟正黑體" panose="020B0604030504040204" pitchFamily="34" charset="-120"/>
+                <a:ea typeface="微軟正黑體" panose="020B0604030504040204" pitchFamily="34" charset="-120"/>
+              </a:rPr>
+              <a:t>或</a:t>
+            </a:r>
+            <a:r>
+              <a:rPr lang="en-US" altLang="zh-TW" sz="3200" dirty="0">
+                <a:latin typeface="微軟正黑體" panose="020B0604030504040204" pitchFamily="34" charset="-120"/>
+                <a:ea typeface="微軟正黑體" panose="020B0604030504040204" pitchFamily="34" charset="-120"/>
+              </a:rPr>
+              <a:t>TXT</a:t>
+            </a:r>
+            <a:r>
+              <a:rPr lang="zh-TW" altLang="en-US" sz="3200" dirty="0">
+                <a:latin typeface="微軟正黑體" panose="020B0604030504040204" pitchFamily="34" charset="-120"/>
+                <a:ea typeface="微軟正黑體" panose="020B0604030504040204" pitchFamily="34" charset="-120"/>
+              </a:rPr>
+              <a:t>格式</a:t>
+            </a:r>
+            <a:endParaRPr lang="en-US" altLang="zh-TW" sz="3200" dirty="0">
+              <a:latin typeface="微軟正黑體" panose="020B0604030504040204" pitchFamily="34" charset="-120"/>
+              <a:ea typeface="微軟正黑體" panose="020B0604030504040204" pitchFamily="34" charset="-120"/>
+            </a:endParaRPr>
           </a:p>
           <a:p>
             <a:pPr marL="514350" indent="-514350">
@@ -15200,21 +16845,42 @@
                 <a:latin typeface="微軟正黑體" panose="020B0604030504040204" pitchFamily="34" charset="-120"/>
                 <a:ea typeface="微軟正黑體" panose="020B0604030504040204" pitchFamily="34" charset="-120"/>
               </a:rPr>
-              <a:t>將每個標記</a:t>
+              <a:t>大部分情況不用自己找，</a:t>
+            </a:r>
+            <a:r>
+              <a:rPr lang="en-US" altLang="zh-TW" sz="3200" dirty="0" err="1">
+                <a:latin typeface="微軟正黑體" panose="020B0604030504040204" pitchFamily="34" charset="-120"/>
+                <a:ea typeface="微軟正黑體" panose="020B0604030504040204" pitchFamily="34" charset="-120"/>
+              </a:rPr>
+              <a:t>Huggingface</a:t>
+            </a:r>
+            <a:r>
+              <a:rPr lang="zh-TW" altLang="en-US" sz="3200" dirty="0">
+                <a:latin typeface="微軟正黑體" panose="020B0604030504040204" pitchFamily="34" charset="-120"/>
+                <a:ea typeface="微軟正黑體" panose="020B0604030504040204" pitchFamily="34" charset="-120"/>
+              </a:rPr>
+              <a:t>提供了大量的資料</a:t>
             </a:r>
             <a:r>
               <a:rPr lang="en-US" altLang="zh-TW" sz="3200" dirty="0">
                 <a:latin typeface="微軟正黑體" panose="020B0604030504040204" pitchFamily="34" charset="-120"/>
                 <a:ea typeface="微軟正黑體" panose="020B0604030504040204" pitchFamily="34" charset="-120"/>
               </a:rPr>
-              <a:t>(token)</a:t>
+              <a:t>(</a:t>
             </a:r>
             <a:r>
               <a:rPr lang="zh-TW" altLang="en-US" sz="3200" dirty="0">
                 <a:latin typeface="微軟正黑體" panose="020B0604030504040204" pitchFamily="34" charset="-120"/>
                 <a:ea typeface="微軟正黑體" panose="020B0604030504040204" pitchFamily="34" charset="-120"/>
               </a:rPr>
-              <a:t>映射到一個整數</a:t>
+              <a:t>中文少</a:t>
+            </a:r>
+            <a:r>
+              <a:rPr lang="en-US" altLang="zh-TW" sz="3200" dirty="0">
+                <a:latin typeface="微軟正黑體" panose="020B0604030504040204" pitchFamily="34" charset="-120"/>
+                <a:ea typeface="微軟正黑體" panose="020B0604030504040204" pitchFamily="34" charset="-120"/>
+              </a:rPr>
+              <a:t>)</a:t>
             </a:r>
           </a:p>
           <a:p>
@@ -15227,24 +16893,21 @@
                 <a:latin typeface="微軟正黑體" panose="020B0604030504040204" pitchFamily="34" charset="-120"/>
                 <a:ea typeface="微軟正黑體" panose="020B0604030504040204" pitchFamily="34" charset="-120"/>
               </a:rPr>
-              <a:t>添加可能對模型有用的其他輸入</a:t>
-            </a:r>
-            <a:endParaRPr lang="en-US" altLang="zh-TW" sz="3200" dirty="0">
-              <a:latin typeface="微軟正黑體" panose="020B0604030504040204" pitchFamily="34" charset="-120"/>
-              <a:ea typeface="微軟正黑體" panose="020B0604030504040204" pitchFamily="34" charset="-120"/>
-            </a:endParaRPr>
-          </a:p>
-          <a:p>
-            <a:pPr marL="514350" indent="-514350">
-              <a:buFont typeface="Arial" panose="020B0604020202020204" pitchFamily="34" charset="0"/>
-              <a:buChar char="•"/>
-            </a:pPr>
+              <a:t>函數庫也定義了處理</a:t>
+            </a:r>
+            <a:r>
+              <a:rPr lang="en-US" altLang="zh-TW" sz="3200" dirty="0">
+                <a:latin typeface="微軟正黑體" panose="020B0604030504040204" pitchFamily="34" charset="-120"/>
+                <a:ea typeface="微軟正黑體" panose="020B0604030504040204" pitchFamily="34" charset="-120"/>
+              </a:rPr>
+              <a:t>datasets</a:t>
+            </a:r>
             <a:r>
               <a:rPr lang="zh-TW" altLang="en-US" sz="3200" dirty="0">
                 <a:latin typeface="微軟正黑體" panose="020B0604030504040204" pitchFamily="34" charset="-120"/>
                 <a:ea typeface="微軟正黑體" panose="020B0604030504040204" pitchFamily="34" charset="-120"/>
               </a:rPr>
-              <a:t>預處理都要以模型預訓練時完全相同的方式完成</a:t>
+              <a:t>的各種函數</a:t>
             </a:r>
             <a:endParaRPr lang="en-US" altLang="zh-TW" sz="3200" dirty="0">
               <a:latin typeface="微軟正黑體" panose="020B0604030504040204" pitchFamily="34" charset="-120"/>
@@ -15314,15 +16977,58 @@
                 <a:ea typeface="微軟正黑體" panose="020B0604030504040204" pitchFamily="34" charset="-120"/>
                 <a:cs typeface="+mn-cs"/>
               </a:rPr>
-              <a:t>分詞預處理</a:t>
-            </a:r>
+              <a:t>資料集</a:t>
+            </a:r>
+            <a:r>
+              <a:rPr kumimoji="0" lang="en-US" altLang="zh-TW" sz="4800" b="1" i="0" u="none" strike="noStrike" kern="0" cap="none" spc="0" normalizeH="0" baseline="0" noProof="0" dirty="0">
+                <a:ln>
+                  <a:noFill/>
+                </a:ln>
+                <a:solidFill>
+                  <a:srgbClr val="00B0F0"/>
+                </a:solidFill>
+                <a:effectLst>
+                  <a:outerShdw blurRad="38100" dist="38100" dir="2700000" algn="tl">
+                    <a:srgbClr val="000000">
+                      <a:alpha val="43137"/>
+                    </a:srgbClr>
+                  </a:outerShdw>
+                </a:effectLst>
+                <a:uLnTx/>
+                <a:uFillTx/>
+                <a:latin typeface="微軟正黑體" panose="020B0604030504040204" pitchFamily="34" charset="-120"/>
+                <a:ea typeface="微軟正黑體" panose="020B0604030504040204" pitchFamily="34" charset="-120"/>
+                <a:cs typeface="+mn-cs"/>
+              </a:rPr>
+              <a:t>dataset</a:t>
+            </a:r>
+            <a:endParaRPr kumimoji="0" lang="zh-TW" altLang="en-US" sz="4800" b="1" i="0" u="none" strike="noStrike" kern="0" cap="none" spc="0" normalizeH="0" baseline="0" noProof="0" dirty="0">
+              <a:ln>
+                <a:noFill/>
+              </a:ln>
+              <a:solidFill>
+                <a:srgbClr val="00B0F0"/>
+              </a:solidFill>
+              <a:effectLst>
+                <a:outerShdw blurRad="38100" dist="38100" dir="2700000" algn="tl">
+                  <a:srgbClr val="000000">
+                    <a:alpha val="43137"/>
+                  </a:srgbClr>
+                </a:outerShdw>
+              </a:effectLst>
+              <a:uLnTx/>
+              <a:uFillTx/>
+              <a:latin typeface="微軟正黑體" panose="020B0604030504040204" pitchFamily="34" charset="-120"/>
+              <a:ea typeface="微軟正黑體" panose="020B0604030504040204" pitchFamily="34" charset="-120"/>
+              <a:cs typeface="+mn-cs"/>
+            </a:endParaRPr>
           </a:p>
         </p:txBody>
       </p:sp>
     </p:spTree>
     <p:extLst>
       <p:ext uri="{BB962C8B-B14F-4D97-AF65-F5344CB8AC3E}">
-        <p14:creationId xmlns:p14="http://schemas.microsoft.com/office/powerpoint/2010/main" val="1710120571"/>
+        <p14:creationId xmlns:p14="http://schemas.microsoft.com/office/powerpoint/2010/main" val="540066256"/>
       </p:ext>
     </p:extLst>
   </p:cSld>
@@ -15352,285 +17058,40 @@
           <a:chExt cx="0" cy="0"/>
         </a:xfrm>
       </p:grpSpPr>
-      <p:sp>
-        <p:nvSpPr>
-          <p:cNvPr id="5" name="文字方塊 4"/>
-          <p:cNvSpPr txBox="1"/>
+      <p:pic>
+        <p:nvPicPr>
+          <p:cNvPr id="5" name="圖片 4">
+            <a:extLst>
+              <a:ext uri="{FF2B5EF4-FFF2-40B4-BE49-F238E27FC236}">
+                <a16:creationId xmlns:a16="http://schemas.microsoft.com/office/drawing/2014/main" id="{A4506111-C4B3-9C9F-4BF5-9B4C22BEC543}"/>
+              </a:ext>
+            </a:extLst>
+          </p:cNvPr>
+          <p:cNvPicPr>
+            <a:picLocks noChangeAspect="1"/>
+          </p:cNvPicPr>
           <p:nvPr/>
-        </p:nvSpPr>
+        </p:nvPicPr>
+        <p:blipFill>
+          <a:blip r:embed="rId2"/>
+          <a:stretch>
+            <a:fillRect/>
+          </a:stretch>
+        </p:blipFill>
         <p:spPr>
           <a:xfrm>
-            <a:off x="685800" y="1828800"/>
-            <a:ext cx="8077200" cy="4524315"/>
-          </a:xfrm>
-          <a:prstGeom prst="rect">
-            <a:avLst/>
-          </a:prstGeom>
-          <a:noFill/>
-        </p:spPr>
-        <p:txBody>
-          <a:bodyPr wrap="square" rtlCol="0">
-            <a:spAutoFit/>
-          </a:bodyPr>
-          <a:lstStyle/>
-          <a:p>
-            <a:pPr marL="514350" indent="-514350">
-              <a:buFont typeface="Arial" panose="020B0604020202020204" pitchFamily="34" charset="0"/>
-              <a:buChar char="•"/>
-            </a:pPr>
-            <a:r>
-              <a:rPr lang="zh-TW" altLang="en-US" sz="3200" dirty="0">
-                <a:latin typeface="微軟正黑體" panose="020B0604030504040204" pitchFamily="34" charset="-120"/>
-                <a:ea typeface="微軟正黑體" panose="020B0604030504040204" pitchFamily="34" charset="-120"/>
-              </a:rPr>
-              <a:t>首先</a:t>
-            </a:r>
-            <a:r>
-              <a:rPr lang="en-US" altLang="zh-TW" sz="3200" dirty="0">
-                <a:latin typeface="微軟正黑體" panose="020B0604030504040204" pitchFamily="34" charset="-120"/>
-                <a:ea typeface="微軟正黑體" panose="020B0604030504040204" pitchFamily="34" charset="-120"/>
-              </a:rPr>
-              <a:t>Model Hub</a:t>
-            </a:r>
-            <a:r>
-              <a:rPr lang="zh-TW" altLang="en-US" sz="3200" dirty="0">
-                <a:latin typeface="微軟正黑體" panose="020B0604030504040204" pitchFamily="34" charset="-120"/>
-                <a:ea typeface="微軟正黑體" panose="020B0604030504040204" pitchFamily="34" charset="-120"/>
-              </a:rPr>
-              <a:t>中下載這些設定</a:t>
-            </a:r>
-            <a:endParaRPr lang="en-US" altLang="zh-TW" sz="3200" dirty="0">
-              <a:latin typeface="微軟正黑體" panose="020B0604030504040204" pitchFamily="34" charset="-120"/>
-              <a:ea typeface="微軟正黑體" panose="020B0604030504040204" pitchFamily="34" charset="-120"/>
-            </a:endParaRPr>
-          </a:p>
-          <a:p>
-            <a:pPr marL="514350" indent="-514350">
-              <a:buFont typeface="Arial" panose="020B0604020202020204" pitchFamily="34" charset="0"/>
-              <a:buChar char="•"/>
-            </a:pPr>
-            <a:r>
-              <a:rPr lang="zh-TW" altLang="en-US" sz="3200" dirty="0">
-                <a:latin typeface="微軟正黑體" panose="020B0604030504040204" pitchFamily="34" charset="-120"/>
-                <a:ea typeface="微軟正黑體" panose="020B0604030504040204" pitchFamily="34" charset="-120"/>
-              </a:rPr>
-              <a:t>使用</a:t>
-            </a:r>
-            <a:r>
-              <a:rPr lang="en-US" altLang="zh-TW" sz="3200" dirty="0" err="1">
-                <a:latin typeface="微軟正黑體" panose="020B0604030504040204" pitchFamily="34" charset="-120"/>
-                <a:ea typeface="微軟正黑體" panose="020B0604030504040204" pitchFamily="34" charset="-120"/>
-              </a:rPr>
-              <a:t>AutoTokenizer</a:t>
-            </a:r>
-            <a:r>
-              <a:rPr lang="zh-TW" altLang="en-US" sz="3200" dirty="0">
-                <a:latin typeface="微軟正黑體" panose="020B0604030504040204" pitchFamily="34" charset="-120"/>
-                <a:ea typeface="微軟正黑體" panose="020B0604030504040204" pitchFamily="34" charset="-120"/>
-              </a:rPr>
-              <a:t>類別及</a:t>
-            </a:r>
-            <a:r>
-              <a:rPr lang="en-US" altLang="zh-TW" sz="3200" dirty="0" err="1">
-                <a:latin typeface="微軟正黑體" panose="020B0604030504040204" pitchFamily="34" charset="-120"/>
-                <a:ea typeface="微軟正黑體" panose="020B0604030504040204" pitchFamily="34" charset="-120"/>
-              </a:rPr>
-              <a:t>from_pretrained</a:t>
-            </a:r>
-            <a:r>
-              <a:rPr lang="en-US" altLang="zh-TW" sz="3200" dirty="0">
-                <a:latin typeface="微軟正黑體" panose="020B0604030504040204" pitchFamily="34" charset="-120"/>
-                <a:ea typeface="微軟正黑體" panose="020B0604030504040204" pitchFamily="34" charset="-120"/>
-              </a:rPr>
-              <a:t>()</a:t>
-            </a:r>
-            <a:r>
-              <a:rPr lang="zh-TW" altLang="en-US" sz="3200" dirty="0">
-                <a:latin typeface="微軟正黑體" panose="020B0604030504040204" pitchFamily="34" charset="-120"/>
-                <a:ea typeface="微軟正黑體" panose="020B0604030504040204" pitchFamily="34" charset="-120"/>
-              </a:rPr>
-              <a:t>方法</a:t>
-            </a:r>
-            <a:endParaRPr lang="en-US" altLang="zh-TW" sz="3200" dirty="0">
-              <a:latin typeface="微軟正黑體" panose="020B0604030504040204" pitchFamily="34" charset="-120"/>
-              <a:ea typeface="微軟正黑體" panose="020B0604030504040204" pitchFamily="34" charset="-120"/>
-            </a:endParaRPr>
-          </a:p>
-          <a:p>
-            <a:pPr marL="514350" indent="-514350">
-              <a:buFont typeface="Arial" panose="020B0604020202020204" pitchFamily="34" charset="0"/>
-              <a:buChar char="•"/>
-            </a:pPr>
-            <a:r>
-              <a:rPr lang="zh-TW" altLang="en-US" sz="3200" dirty="0">
-                <a:latin typeface="微軟正黑體" panose="020B0604030504040204" pitchFamily="34" charset="-120"/>
-                <a:ea typeface="微軟正黑體" panose="020B0604030504040204" pitchFamily="34" charset="-120"/>
-              </a:rPr>
-              <a:t>使用模型的</a:t>
-            </a:r>
-            <a:r>
-              <a:rPr lang="en-US" altLang="zh-TW" sz="3200" dirty="0">
-                <a:latin typeface="微軟正黑體" panose="020B0604030504040204" pitchFamily="34" charset="-120"/>
-                <a:ea typeface="微軟正黑體" panose="020B0604030504040204" pitchFamily="34" charset="-120"/>
-              </a:rPr>
-              <a:t>checkpoint</a:t>
-            </a:r>
-            <a:r>
-              <a:rPr lang="zh-TW" altLang="en-US" sz="3200" dirty="0">
-                <a:latin typeface="微軟正黑體" panose="020B0604030504040204" pitchFamily="34" charset="-120"/>
-                <a:ea typeface="微軟正黑體" panose="020B0604030504040204" pitchFamily="34" charset="-120"/>
-              </a:rPr>
-              <a:t>自動獲取與模型的</a:t>
-            </a:r>
-            <a:r>
-              <a:rPr lang="en-US" altLang="zh-TW" sz="3200" dirty="0">
-                <a:latin typeface="微軟正黑體" panose="020B0604030504040204" pitchFamily="34" charset="-120"/>
-                <a:ea typeface="微軟正黑體" panose="020B0604030504040204" pitchFamily="34" charset="-120"/>
-              </a:rPr>
-              <a:t>tokenizer</a:t>
-            </a:r>
-            <a:r>
-              <a:rPr lang="zh-TW" altLang="en-US" sz="3200" dirty="0">
-                <a:latin typeface="微軟正黑體" panose="020B0604030504040204" pitchFamily="34" charset="-120"/>
-                <a:ea typeface="微軟正黑體" panose="020B0604030504040204" pitchFamily="34" charset="-120"/>
-              </a:rPr>
-              <a:t>相關聯的資料</a:t>
-            </a:r>
-            <a:endParaRPr lang="en-US" altLang="zh-TW" sz="3200" dirty="0">
-              <a:latin typeface="微軟正黑體" panose="020B0604030504040204" pitchFamily="34" charset="-120"/>
-              <a:ea typeface="微軟正黑體" panose="020B0604030504040204" pitchFamily="34" charset="-120"/>
-            </a:endParaRPr>
-          </a:p>
-          <a:p>
-            <a:pPr marL="514350" indent="-514350">
-              <a:buFont typeface="Arial" panose="020B0604020202020204" pitchFamily="34" charset="0"/>
-              <a:buChar char="•"/>
-            </a:pPr>
-            <a:r>
-              <a:rPr lang="zh-TW" altLang="en-US" sz="3200" dirty="0">
-                <a:latin typeface="微軟正黑體" panose="020B0604030504040204" pitchFamily="34" charset="-120"/>
-                <a:ea typeface="微軟正黑體" panose="020B0604030504040204" pitchFamily="34" charset="-120"/>
-              </a:rPr>
-              <a:t>第一次運行時才會下載，之後存在電腦中</a:t>
-            </a:r>
-            <a:endParaRPr lang="en-US" altLang="zh-TW" sz="3200" dirty="0">
-              <a:latin typeface="微軟正黑體" panose="020B0604030504040204" pitchFamily="34" charset="-120"/>
-              <a:ea typeface="微軟正黑體" panose="020B0604030504040204" pitchFamily="34" charset="-120"/>
-            </a:endParaRPr>
-          </a:p>
-          <a:p>
-            <a:pPr marL="514350" indent="-514350">
-              <a:buFont typeface="Arial" panose="020B0604020202020204" pitchFamily="34" charset="0"/>
-              <a:buChar char="•"/>
-            </a:pPr>
-            <a:r>
-              <a:rPr lang="en-US" altLang="zh-TW" sz="3200" dirty="0">
-                <a:latin typeface="微軟正黑體" panose="020B0604030504040204" pitchFamily="34" charset="-120"/>
-                <a:ea typeface="微軟正黑體" panose="020B0604030504040204" pitchFamily="34" charset="-120"/>
-              </a:rPr>
-              <a:t>sentiment-analysis</a:t>
-            </a:r>
-            <a:r>
-              <a:rPr lang="zh-TW" altLang="en-US" sz="3200" dirty="0">
-                <a:latin typeface="微軟正黑體" panose="020B0604030504040204" pitchFamily="34" charset="-120"/>
-                <a:ea typeface="微軟正黑體" panose="020B0604030504040204" pitchFamily="34" charset="-120"/>
-              </a:rPr>
-              <a:t>管道的預設</a:t>
-            </a:r>
-            <a:r>
-              <a:rPr lang="en-US" altLang="zh-TW" sz="3200" dirty="0">
-                <a:latin typeface="微軟正黑體" panose="020B0604030504040204" pitchFamily="34" charset="-120"/>
-                <a:ea typeface="微軟正黑體" panose="020B0604030504040204" pitchFamily="34" charset="-120"/>
-              </a:rPr>
-              <a:t>checkpoint</a:t>
-            </a:r>
-            <a:r>
-              <a:rPr lang="zh-TW" altLang="en-US" sz="3200" dirty="0">
-                <a:latin typeface="微軟正黑體" panose="020B0604030504040204" pitchFamily="34" charset="-120"/>
-                <a:ea typeface="微軟正黑體" panose="020B0604030504040204" pitchFamily="34" charset="-120"/>
-              </a:rPr>
-              <a:t>是</a:t>
-            </a:r>
-            <a:r>
-              <a:rPr lang="en-US" altLang="zh-TW" sz="3200" dirty="0">
-                <a:latin typeface="微軟正黑體" panose="020B0604030504040204" pitchFamily="34" charset="-120"/>
-                <a:ea typeface="微軟正黑體" panose="020B0604030504040204" pitchFamily="34" charset="-120"/>
-              </a:rPr>
-              <a:t>distilbert-base-uncased-finetuned-sst-2-english</a:t>
-            </a:r>
-          </a:p>
-        </p:txBody>
-      </p:sp>
-      <p:sp>
-        <p:nvSpPr>
-          <p:cNvPr id="4" name="文字版面配置區 2"/>
-          <p:cNvSpPr txBox="1">
-            <a:spLocks/>
-          </p:cNvSpPr>
-          <p:nvPr/>
-        </p:nvSpPr>
-        <p:spPr>
-          <a:xfrm>
-            <a:off x="1295400" y="304800"/>
-            <a:ext cx="6477000" cy="990600"/>
+            <a:off x="157655" y="1407564"/>
+            <a:ext cx="8828690" cy="4258004"/>
           </a:xfrm>
           <a:prstGeom prst="rect">
             <a:avLst/>
           </a:prstGeom>
         </p:spPr>
-        <p:txBody>
-          <a:bodyPr tIns="91440" bIns="91440" anchor="b" anchorCtr="0">
-            <a:noAutofit/>
-          </a:bodyPr>
-          <a:lstStyle/>
-          <a:p>
-            <a:pPr marL="0" marR="0" lvl="0" indent="0" algn="just" defTabSz="914400" rtl="0" eaLnBrk="1" fontAlgn="auto" latinLnBrk="0" hangingPunct="1">
-              <a:lnSpc>
-                <a:spcPct val="100000"/>
-              </a:lnSpc>
-              <a:spcBef>
-                <a:spcPct val="20000"/>
-              </a:spcBef>
-              <a:spcAft>
-                <a:spcPts val="0"/>
-              </a:spcAft>
-              <a:buClrTx/>
-              <a:buSzTx/>
-              <a:buFontTx/>
-              <a:buNone/>
-              <a:tabLst/>
-              <a:defRPr/>
-            </a:pPr>
-            <a:r>
-              <a:rPr kumimoji="0" lang="zh-TW" altLang="en-US" sz="4800" b="1" i="0" u="none" strike="noStrike" kern="0" cap="none" spc="0" normalizeH="0" baseline="0" noProof="0" dirty="0">
-                <a:ln>
-                  <a:noFill/>
-                </a:ln>
-                <a:solidFill>
-                  <a:srgbClr val="00B0F0"/>
-                </a:solidFill>
-                <a:effectLst>
-                  <a:outerShdw blurRad="38100" dist="38100" dir="2700000" algn="tl">
-                    <a:srgbClr val="000000">
-                      <a:alpha val="43137"/>
-                    </a:srgbClr>
-                  </a:outerShdw>
-                </a:effectLst>
-                <a:uLnTx/>
-                <a:uFillTx/>
-                <a:latin typeface="微軟正黑體" panose="020B0604030504040204" pitchFamily="34" charset="-120"/>
-                <a:ea typeface="微軟正黑體" panose="020B0604030504040204" pitchFamily="34" charset="-120"/>
-                <a:cs typeface="+mn-cs"/>
-              </a:rPr>
-              <a:t>分詞預處理</a:t>
-            </a:r>
-          </a:p>
-        </p:txBody>
-      </p:sp>
+      </p:pic>
     </p:spTree>
     <p:extLst>
       <p:ext uri="{BB962C8B-B14F-4D97-AF65-F5344CB8AC3E}">
-        <p14:creationId xmlns:p14="http://schemas.microsoft.com/office/powerpoint/2010/main" val="1593249368"/>
+        <p14:creationId xmlns:p14="http://schemas.microsoft.com/office/powerpoint/2010/main" val="4261852949"/>
       </p:ext>
     </p:extLst>
   </p:cSld>
@@ -15660,40 +17121,225 @@
           <a:chExt cx="0" cy="0"/>
         </a:xfrm>
       </p:grpSpPr>
-      <p:pic>
-        <p:nvPicPr>
-          <p:cNvPr id="5" name="圖片 4">
-            <a:extLst>
-              <a:ext uri="{FF2B5EF4-FFF2-40B4-BE49-F238E27FC236}">
-                <a16:creationId xmlns:a16="http://schemas.microsoft.com/office/drawing/2014/main" id="{63CA8A61-1957-60DC-0F1C-76C947A8B617}"/>
-              </a:ext>
-            </a:extLst>
-          </p:cNvPr>
-          <p:cNvPicPr>
-            <a:picLocks noChangeAspect="1"/>
-          </p:cNvPicPr>
+      <p:sp>
+        <p:nvSpPr>
+          <p:cNvPr id="5" name="文字方塊 4"/>
+          <p:cNvSpPr txBox="1"/>
           <p:nvPr/>
-        </p:nvPicPr>
-        <p:blipFill>
-          <a:blip r:embed="rId2"/>
-          <a:stretch>
-            <a:fillRect/>
-          </a:stretch>
-        </p:blipFill>
+        </p:nvSpPr>
         <p:spPr>
           <a:xfrm>
-            <a:off x="342900" y="2581275"/>
-            <a:ext cx="8458200" cy="1695450"/>
+            <a:off x="685800" y="1828800"/>
+            <a:ext cx="8077200" cy="4524315"/>
+          </a:xfrm>
+          <a:prstGeom prst="rect">
+            <a:avLst/>
+          </a:prstGeom>
+          <a:noFill/>
+        </p:spPr>
+        <p:txBody>
+          <a:bodyPr wrap="square" rtlCol="0">
+            <a:spAutoFit/>
+          </a:bodyPr>
+          <a:lstStyle/>
+          <a:p>
+            <a:pPr marL="514350" indent="-514350">
+              <a:buFont typeface="Arial" panose="020B0604020202020204" pitchFamily="34" charset="0"/>
+              <a:buChar char="•"/>
+            </a:pPr>
+            <a:r>
+              <a:rPr lang="zh-TW" altLang="en-US" sz="3200" dirty="0">
+                <a:latin typeface="微軟正黑體" panose="020B0604030504040204" pitchFamily="34" charset="-120"/>
+                <a:ea typeface="微軟正黑體" panose="020B0604030504040204" pitchFamily="34" charset="-120"/>
+              </a:rPr>
+              <a:t>最早是將句子拆為字母，雖然只有</a:t>
+            </a:r>
+            <a:r>
+              <a:rPr lang="en-US" altLang="zh-TW" sz="3200" dirty="0">
+                <a:latin typeface="微軟正黑體" panose="020B0604030504040204" pitchFamily="34" charset="-120"/>
+                <a:ea typeface="微軟正黑體" panose="020B0604030504040204" pitchFamily="34" charset="-120"/>
+              </a:rPr>
+              <a:t>65</a:t>
+            </a:r>
+            <a:r>
+              <a:rPr lang="zh-TW" altLang="en-US" sz="3200" dirty="0">
+                <a:latin typeface="微軟正黑體" panose="020B0604030504040204" pitchFamily="34" charset="-120"/>
+                <a:ea typeface="微軟正黑體" panose="020B0604030504040204" pitchFamily="34" charset="-120"/>
+              </a:rPr>
+              <a:t>個字母，但個句子會變的非常長，稱為字元型分詞</a:t>
+            </a:r>
+            <a:endParaRPr lang="en-US" altLang="zh-TW" sz="3200" dirty="0">
+              <a:latin typeface="微軟正黑體" panose="020B0604030504040204" pitchFamily="34" charset="-120"/>
+              <a:ea typeface="微軟正黑體" panose="020B0604030504040204" pitchFamily="34" charset="-120"/>
+            </a:endParaRPr>
+          </a:p>
+          <a:p>
+            <a:pPr marL="514350" indent="-514350">
+              <a:buFont typeface="Arial" panose="020B0604020202020204" pitchFamily="34" charset="0"/>
+              <a:buChar char="•"/>
+            </a:pPr>
+            <a:r>
+              <a:rPr lang="zh-TW" altLang="en-US" sz="3200" dirty="0">
+                <a:latin typeface="微軟正黑體" panose="020B0604030504040204" pitchFamily="34" charset="-120"/>
+                <a:ea typeface="微軟正黑體" panose="020B0604030504040204" pitchFamily="34" charset="-120"/>
+              </a:rPr>
+              <a:t>或是使用英文單字，雖然句子變短，但詞彙表會變的非常大</a:t>
+            </a:r>
+            <a:r>
+              <a:rPr lang="en-US" altLang="zh-TW" sz="3200" dirty="0">
+                <a:latin typeface="微軟正黑體" panose="020B0604030504040204" pitchFamily="34" charset="-120"/>
+                <a:ea typeface="微軟正黑體" panose="020B0604030504040204" pitchFamily="34" charset="-120"/>
+              </a:rPr>
+              <a:t>(</a:t>
+            </a:r>
+            <a:r>
+              <a:rPr lang="zh-TW" altLang="en-US" sz="3200" dirty="0">
+                <a:latin typeface="微軟正黑體" panose="020B0604030504040204" pitchFamily="34" charset="-120"/>
+                <a:ea typeface="微軟正黑體" panose="020B0604030504040204" pitchFamily="34" charset="-120"/>
+              </a:rPr>
+              <a:t>數十萬</a:t>
+            </a:r>
+            <a:r>
+              <a:rPr lang="en-US" altLang="zh-TW" sz="3200" dirty="0">
+                <a:latin typeface="微軟正黑體" panose="020B0604030504040204" pitchFamily="34" charset="-120"/>
+                <a:ea typeface="微軟正黑體" panose="020B0604030504040204" pitchFamily="34" charset="-120"/>
+              </a:rPr>
+              <a:t>)</a:t>
+            </a:r>
+          </a:p>
+          <a:p>
+            <a:pPr marL="514350" indent="-514350">
+              <a:buFont typeface="Arial" panose="020B0604020202020204" pitchFamily="34" charset="0"/>
+              <a:buChar char="•"/>
+            </a:pPr>
+            <a:r>
+              <a:rPr lang="zh-TW" altLang="en-US" sz="3200" dirty="0">
+                <a:latin typeface="微軟正黑體" panose="020B0604030504040204" pitchFamily="34" charset="-120"/>
+                <a:ea typeface="微軟正黑體" panose="020B0604030504040204" pitchFamily="34" charset="-120"/>
+              </a:rPr>
+              <a:t>英文的詞彙是無限大的，因此會有很多不在字彙表中的單字</a:t>
+            </a:r>
+            <a:r>
+              <a:rPr lang="en-US" altLang="zh-TW" sz="3200" dirty="0">
+                <a:latin typeface="微軟正黑體" panose="020B0604030504040204" pitchFamily="34" charset="-120"/>
+                <a:ea typeface="微軟正黑體" panose="020B0604030504040204" pitchFamily="34" charset="-120"/>
+              </a:rPr>
+              <a:t>(OOV)</a:t>
+            </a:r>
+          </a:p>
+          <a:p>
+            <a:pPr marL="514350" indent="-514350">
+              <a:buFont typeface="Arial" panose="020B0604020202020204" pitchFamily="34" charset="0"/>
+              <a:buChar char="•"/>
+            </a:pPr>
+            <a:r>
+              <a:rPr lang="zh-TW" altLang="en-US" sz="3200" dirty="0">
+                <a:latin typeface="微軟正黑體" panose="020B0604030504040204" pitchFamily="34" charset="-120"/>
+                <a:ea typeface="微軟正黑體" panose="020B0604030504040204" pitchFamily="34" charset="-120"/>
+              </a:rPr>
+              <a:t>稱為</a:t>
+            </a:r>
+            <a:r>
+              <a:rPr lang="en-US" altLang="zh-TW" sz="3200" dirty="0">
+                <a:latin typeface="微軟正黑體" panose="020B0604030504040204" pitchFamily="34" charset="-120"/>
+                <a:ea typeface="微軟正黑體" panose="020B0604030504040204" pitchFamily="34" charset="-120"/>
+              </a:rPr>
+              <a:t>word base</a:t>
+            </a:r>
+            <a:r>
+              <a:rPr lang="zh-TW" altLang="en-US" sz="3200" dirty="0">
+                <a:latin typeface="微軟正黑體" panose="020B0604030504040204" pitchFamily="34" charset="-120"/>
+                <a:ea typeface="微軟正黑體" panose="020B0604030504040204" pitchFamily="34" charset="-120"/>
+              </a:rPr>
+              <a:t>分詞</a:t>
+            </a:r>
+            <a:endParaRPr lang="en-US" altLang="zh-TW" sz="3200" dirty="0">
+              <a:latin typeface="微軟正黑體" panose="020B0604030504040204" pitchFamily="34" charset="-120"/>
+              <a:ea typeface="微軟正黑體" panose="020B0604030504040204" pitchFamily="34" charset="-120"/>
+            </a:endParaRPr>
+          </a:p>
+          <a:p>
+            <a:pPr marL="514350" indent="-514350">
+              <a:buFont typeface="Arial" panose="020B0604020202020204" pitchFamily="34" charset="0"/>
+              <a:buChar char="•"/>
+            </a:pPr>
+            <a:endParaRPr lang="en-US" altLang="zh-TW" sz="3200" dirty="0">
+              <a:latin typeface="微軟正黑體" panose="020B0604030504040204" pitchFamily="34" charset="-120"/>
+              <a:ea typeface="微軟正黑體" panose="020B0604030504040204" pitchFamily="34" charset="-120"/>
+            </a:endParaRPr>
+          </a:p>
+        </p:txBody>
+      </p:sp>
+      <p:sp>
+        <p:nvSpPr>
+          <p:cNvPr id="4" name="文字版面配置區 2"/>
+          <p:cNvSpPr txBox="1">
+            <a:spLocks/>
+          </p:cNvSpPr>
+          <p:nvPr/>
+        </p:nvSpPr>
+        <p:spPr>
+          <a:xfrm>
+            <a:off x="1295400" y="304800"/>
+            <a:ext cx="6477000" cy="990600"/>
           </a:xfrm>
           <a:prstGeom prst="rect">
             <a:avLst/>
           </a:prstGeom>
         </p:spPr>
-      </p:pic>
+        <p:txBody>
+          <a:bodyPr tIns="91440" bIns="91440" anchor="b" anchorCtr="0">
+            <a:noAutofit/>
+          </a:bodyPr>
+          <a:lstStyle/>
+          <a:p>
+            <a:pPr marL="0" marR="0" lvl="0" indent="0" algn="just" defTabSz="914400" rtl="0" eaLnBrk="1" fontAlgn="auto" latinLnBrk="0" hangingPunct="1">
+              <a:lnSpc>
+                <a:spcPct val="100000"/>
+              </a:lnSpc>
+              <a:spcBef>
+                <a:spcPct val="20000"/>
+              </a:spcBef>
+              <a:spcAft>
+                <a:spcPts val="0"/>
+              </a:spcAft>
+              <a:buClrTx/>
+              <a:buSzTx/>
+              <a:buFontTx/>
+              <a:buNone/>
+              <a:tabLst/>
+              <a:defRPr/>
+            </a:pPr>
+            <a:r>
+              <a:rPr kumimoji="0" lang="zh-TW" altLang="en-US" sz="4800" b="1" i="0" u="none" strike="noStrike" kern="0" cap="none" spc="0" normalizeH="0" baseline="0" noProof="0" dirty="0">
+                <a:ln>
+                  <a:noFill/>
+                </a:ln>
+                <a:solidFill>
+                  <a:srgbClr val="00B0F0"/>
+                </a:solidFill>
+                <a:effectLst>
+                  <a:outerShdw blurRad="38100" dist="38100" dir="2700000" algn="tl">
+                    <a:srgbClr val="000000">
+                      <a:alpha val="43137"/>
+                    </a:srgbClr>
+                  </a:outerShdw>
+                </a:effectLst>
+                <a:uLnTx/>
+                <a:uFillTx/>
+                <a:latin typeface="微軟正黑體" panose="020B0604030504040204" pitchFamily="34" charset="-120"/>
+                <a:ea typeface="微軟正黑體" panose="020B0604030504040204" pitchFamily="34" charset="-120"/>
+                <a:cs typeface="+mn-cs"/>
+              </a:rPr>
+              <a:t>分詞預處理</a:t>
+            </a:r>
+          </a:p>
+        </p:txBody>
+      </p:sp>
     </p:spTree>
     <p:extLst>
       <p:ext uri="{BB962C8B-B14F-4D97-AF65-F5344CB8AC3E}">
-        <p14:creationId xmlns:p14="http://schemas.microsoft.com/office/powerpoint/2010/main" val="1398721676"/>
+        <p14:creationId xmlns:p14="http://schemas.microsoft.com/office/powerpoint/2010/main" val="1710120571"/>
       </p:ext>
     </p:extLst>
   </p:cSld>
@@ -15750,25 +17396,18 @@
               <a:buChar char="•"/>
             </a:pPr>
             <a:r>
+              <a:rPr lang="en-US" altLang="zh-TW" sz="3200" dirty="0" err="1">
+                <a:latin typeface="微軟正黑體" panose="020B0604030504040204" pitchFamily="34" charset="-120"/>
+                <a:ea typeface="微軟正黑體" panose="020B0604030504040204" pitchFamily="34" charset="-120"/>
+              </a:rPr>
+              <a:t>Subword</a:t>
+            </a:r>
+            <a:r>
               <a:rPr lang="zh-TW" altLang="en-US" sz="3200" dirty="0">
                 <a:latin typeface="微軟正黑體" panose="020B0604030504040204" pitchFamily="34" charset="-120"/>
                 <a:ea typeface="微軟正黑體" panose="020B0604030504040204" pitchFamily="34" charset="-120"/>
               </a:rPr>
-              <a:t>將模型要預測的句子傳給</a:t>
-            </a:r>
-            <a:r>
-              <a:rPr lang="en-US" altLang="zh-TW" sz="3200" dirty="0">
-                <a:latin typeface="微軟正黑體" panose="020B0604030504040204" pitchFamily="34" charset="-120"/>
-                <a:ea typeface="微軟正黑體" panose="020B0604030504040204" pitchFamily="34" charset="-120"/>
-              </a:rPr>
-              <a:t>tokenizer</a:t>
-            </a:r>
-            <a:r>
-              <a:rPr lang="zh-TW" altLang="en-US" sz="3200" dirty="0">
-                <a:latin typeface="微軟正黑體" panose="020B0604030504040204" pitchFamily="34" charset="-120"/>
-                <a:ea typeface="微軟正黑體" panose="020B0604030504040204" pitchFamily="34" charset="-120"/>
-              </a:rPr>
-              <a:t>進行分詞</a:t>
+              <a:t>分詞，將一個字拆成字根，並且將所有字用字根表示</a:t>
             </a:r>
             <a:endParaRPr lang="en-US" altLang="zh-TW" sz="3200" dirty="0">
               <a:latin typeface="微軟正黑體" panose="020B0604030504040204" pitchFamily="34" charset="-120"/>
@@ -15781,18 +17420,25 @@
               <a:buChar char="•"/>
             </a:pPr>
             <a:r>
+              <a:rPr lang="en-US" altLang="zh-TW" sz="3200" dirty="0">
+                <a:latin typeface="微軟正黑體" panose="020B0604030504040204" pitchFamily="34" charset="-120"/>
+                <a:ea typeface="微軟正黑體" panose="020B0604030504040204" pitchFamily="34" charset="-120"/>
+              </a:rPr>
+              <a:t>Important</a:t>
+            </a:r>
+            <a:r>
               <a:rPr lang="zh-TW" altLang="en-US" sz="3200" dirty="0">
                 <a:latin typeface="微軟正黑體" panose="020B0604030504040204" pitchFamily="34" charset="-120"/>
                 <a:ea typeface="微軟正黑體" panose="020B0604030504040204" pitchFamily="34" charset="-120"/>
               </a:rPr>
-              <a:t>將分詞的詞轉換成</a:t>
+              <a:t>拆成</a:t>
             </a:r>
             <a:r>
               <a:rPr lang="en-US" altLang="zh-TW" sz="3200" dirty="0">
                 <a:latin typeface="微軟正黑體" panose="020B0604030504040204" pitchFamily="34" charset="-120"/>
                 <a:ea typeface="微軟正黑體" panose="020B0604030504040204" pitchFamily="34" charset="-120"/>
               </a:rPr>
-              <a:t>id</a:t>
+              <a:t>import, ant</a:t>
             </a:r>
           </a:p>
           <a:p>
@@ -15805,35 +17451,28 @@
                 <a:latin typeface="微軟正黑體" panose="020B0604030504040204" pitchFamily="34" charset="-120"/>
                 <a:ea typeface="微軟正黑體" panose="020B0604030504040204" pitchFamily="34" charset="-120"/>
               </a:rPr>
-              <a:t>這個</a:t>
+              <a:t>常見的有</a:t>
             </a:r>
             <a:r>
               <a:rPr lang="en-US" altLang="zh-TW" sz="3200" dirty="0">
                 <a:latin typeface="微軟正黑體" panose="020B0604030504040204" pitchFamily="34" charset="-120"/>
                 <a:ea typeface="微軟正黑體" panose="020B0604030504040204" pitchFamily="34" charset="-120"/>
               </a:rPr>
-              <a:t>id</a:t>
+              <a:t>BPE</a:t>
             </a:r>
             <a:r>
               <a:rPr lang="zh-TW" altLang="en-US" sz="3200" dirty="0">
                 <a:latin typeface="微軟正黑體" panose="020B0604030504040204" pitchFamily="34" charset="-120"/>
                 <a:ea typeface="微軟正黑體" panose="020B0604030504040204" pitchFamily="34" charset="-120"/>
               </a:rPr>
-              <a:t>將對應到模型中的</a:t>
-            </a:r>
-            <a:r>
-              <a:rPr lang="en-US" altLang="zh-TW" sz="3200" dirty="0">
+              <a:t>及</a:t>
+            </a:r>
+            <a:r>
+              <a:rPr lang="en-US" altLang="zh-TW" sz="3200" dirty="0" err="1">
                 <a:latin typeface="微軟正黑體" panose="020B0604030504040204" pitchFamily="34" charset="-120"/>
                 <a:ea typeface="微軟正黑體" panose="020B0604030504040204" pitchFamily="34" charset="-120"/>
               </a:rPr>
-              <a:t>embedding</a:t>
-            </a:r>
-            <a:r>
-              <a:rPr lang="zh-TW" altLang="en-US" sz="3200" dirty="0">
-                <a:latin typeface="微軟正黑體" panose="020B0604030504040204" pitchFamily="34" charset="-120"/>
-                <a:ea typeface="微軟正黑體" panose="020B0604030504040204" pitchFamily="34" charset="-120"/>
-              </a:rPr>
-              <a:t>表</a:t>
+              <a:t>WordPiece</a:t>
             </a:r>
             <a:endParaRPr lang="en-US" altLang="zh-TW" sz="3200" dirty="0">
               <a:latin typeface="微軟正黑體" panose="020B0604030504040204" pitchFamily="34" charset="-120"/>
@@ -15908,40 +17547,10 @@
           </a:p>
         </p:txBody>
       </p:sp>
-      <p:pic>
-        <p:nvPicPr>
-          <p:cNvPr id="3" name="圖片 2">
-            <a:extLst>
-              <a:ext uri="{FF2B5EF4-FFF2-40B4-BE49-F238E27FC236}">
-                <a16:creationId xmlns:a16="http://schemas.microsoft.com/office/drawing/2014/main" id="{4143D62B-48F8-D295-9124-79A32E762F18}"/>
-              </a:ext>
-            </a:extLst>
-          </p:cNvPr>
-          <p:cNvPicPr>
-            <a:picLocks noChangeAspect="1"/>
-          </p:cNvPicPr>
-          <p:nvPr/>
-        </p:nvPicPr>
-        <p:blipFill>
-          <a:blip r:embed="rId3"/>
-          <a:stretch>
-            <a:fillRect/>
-          </a:stretch>
-        </p:blipFill>
-        <p:spPr>
-          <a:xfrm>
-            <a:off x="990600" y="4451022"/>
-            <a:ext cx="7620000" cy="1829661"/>
-          </a:xfrm>
-          <a:prstGeom prst="rect">
-            <a:avLst/>
-          </a:prstGeom>
-        </p:spPr>
-      </p:pic>
     </p:spTree>
     <p:extLst>
       <p:ext uri="{BB962C8B-B14F-4D97-AF65-F5344CB8AC3E}">
-        <p14:creationId xmlns:p14="http://schemas.microsoft.com/office/powerpoint/2010/main" val="699322"/>
+        <p14:creationId xmlns:p14="http://schemas.microsoft.com/office/powerpoint/2010/main" val="1671315784"/>
       </p:ext>
     </p:extLst>
   </p:cSld>
@@ -15973,38 +17582,55 @@
       </p:grpSpPr>
       <p:pic>
         <p:nvPicPr>
-          <p:cNvPr id="5" name="圖片 4">
+          <p:cNvPr id="1026" name="Picture 2">
             <a:extLst>
               <a:ext uri="{FF2B5EF4-FFF2-40B4-BE49-F238E27FC236}">
-                <a16:creationId xmlns:a16="http://schemas.microsoft.com/office/drawing/2014/main" id="{F6291E37-8BE7-2BEF-48C2-8C35A293D96D}"/>
+                <a16:creationId xmlns:a16="http://schemas.microsoft.com/office/drawing/2014/main" id="{8B57840A-A827-C977-0E8A-0FD35C24EF66}"/>
               </a:ext>
             </a:extLst>
           </p:cNvPr>
           <p:cNvPicPr>
-            <a:picLocks noChangeAspect="1"/>
+            <a:picLocks noChangeAspect="1" noChangeArrowheads="1"/>
           </p:cNvPicPr>
           <p:nvPr/>
         </p:nvPicPr>
         <p:blipFill>
-          <a:blip r:embed="rId2"/>
+          <a:blip r:embed="rId2">
+            <a:extLst>
+              <a:ext uri="{28A0092B-C50C-407E-A947-70E740481C1C}">
+                <a14:useLocalDpi xmlns:a14="http://schemas.microsoft.com/office/drawing/2010/main" val="0"/>
+              </a:ext>
+            </a:extLst>
+          </a:blip>
+          <a:srcRect/>
           <a:stretch>
             <a:fillRect/>
           </a:stretch>
         </p:blipFill>
-        <p:spPr>
+        <p:spPr bwMode="auto">
           <a:xfrm>
-            <a:off x="0" y="1890460"/>
-            <a:ext cx="9144000" cy="3077079"/>
+            <a:off x="674764" y="319056"/>
+            <a:ext cx="7907983" cy="6310027"/>
           </a:xfrm>
           <a:prstGeom prst="rect">
             <a:avLst/>
           </a:prstGeom>
+          <a:noFill/>
+          <a:extLst>
+            <a:ext uri="{909E8E84-426E-40DD-AFC4-6F175D3DCCD1}">
+              <a14:hiddenFill xmlns:a14="http://schemas.microsoft.com/office/drawing/2010/main">
+                <a:solidFill>
+                  <a:srgbClr val="FFFFFF"/>
+                </a:solidFill>
+              </a14:hiddenFill>
+            </a:ext>
+          </a:extLst>
         </p:spPr>
       </p:pic>
     </p:spTree>
     <p:extLst>
       <p:ext uri="{BB962C8B-B14F-4D97-AF65-F5344CB8AC3E}">
-        <p14:creationId xmlns:p14="http://schemas.microsoft.com/office/powerpoint/2010/main" val="1657473178"/>
+        <p14:creationId xmlns:p14="http://schemas.microsoft.com/office/powerpoint/2010/main" val="934431641"/>
       </p:ext>
     </p:extLst>
   </p:cSld>
